--- a/Challenge 0/Autonomy.pptx
+++ b/Challenge 0/Autonomy.pptx
@@ -6,8 +6,11 @@
     <p:sldMasterId id="2147483652" r:id="rId2"/>
     <p:sldMasterId id="2147483684" r:id="rId3"/>
   </p:sldMasterIdLst>
+  <p:notesMasterIdLst>
+    <p:notesMasterId r:id="rId15"/>
+  </p:notesMasterIdLst>
   <p:handoutMasterIdLst>
-    <p:handoutMasterId r:id="rId15"/>
+    <p:handoutMasterId r:id="rId16"/>
   </p:handoutMasterIdLst>
   <p:sldIdLst>
     <p:sldId id="256" r:id="rId4"/>
@@ -19,7 +22,7 @@
     <p:sldId id="272" r:id="rId10"/>
     <p:sldId id="287" r:id="rId11"/>
     <p:sldId id="288" r:id="rId12"/>
-    <p:sldId id="289" r:id="rId13"/>
+    <p:sldId id="290" r:id="rId13"/>
     <p:sldId id="260" r:id="rId14"/>
   </p:sldIdLst>
   <p:sldSz cx="12192000" cy="6858000"/>
@@ -235,7 +238,7 @@
           <a:p>
             <a:fld id="{EC69F105-A747-4149-8D18-634112D74862}" type="datetimeFigureOut">
               <a:rPr lang="en-US" smtClean="0"/>
-              <a:t>1/12/2024</a:t>
+              <a:t>1/17/2024</a:t>
             </a:fld>
             <a:endParaRPr lang="en-US"/>
           </a:p>
@@ -328,6 +331,663 @@
   </p:cSld>
   <p:clrMap bg1="lt1" tx1="dk1" bg2="lt2" tx2="dk2" accent1="accent1" accent2="accent2" accent3="accent3" accent4="accent4" accent5="accent5" accent6="accent6" hlink="hlink" folHlink="folHlink"/>
 </p:handoutMaster>
+</file>
+
+<file path=ppt/notesMasters/notesMaster1.xml><?xml version="1.0" encoding="utf-8"?>
+<p:notesMaster xmlns:a="http://schemas.openxmlformats.org/drawingml/2006/main" xmlns:r="http://schemas.openxmlformats.org/officeDocument/2006/relationships" xmlns:p="http://schemas.openxmlformats.org/presentationml/2006/main">
+  <p:cSld>
+    <p:bg>
+      <p:bgRef idx="1001">
+        <a:schemeClr val="bg1"/>
+      </p:bgRef>
+    </p:bg>
+    <p:spTree>
+      <p:nvGrpSpPr>
+        <p:cNvPr id="1" name=""/>
+        <p:cNvGrpSpPr/>
+        <p:nvPr/>
+      </p:nvGrpSpPr>
+      <p:grpSpPr>
+        <a:xfrm>
+          <a:off x="0" y="0"/>
+          <a:ext cx="0" cy="0"/>
+          <a:chOff x="0" y="0"/>
+          <a:chExt cx="0" cy="0"/>
+        </a:xfrm>
+      </p:grpSpPr>
+      <p:sp>
+        <p:nvSpPr>
+          <p:cNvPr id="2" name="Header Placeholder 1"/>
+          <p:cNvSpPr>
+            <a:spLocks noGrp="1"/>
+          </p:cNvSpPr>
+          <p:nvPr>
+            <p:ph type="hdr" sz="quarter"/>
+          </p:nvPr>
+        </p:nvSpPr>
+        <p:spPr>
+          <a:xfrm>
+            <a:off x="0" y="0"/>
+            <a:ext cx="2971800" cy="458788"/>
+          </a:xfrm>
+          <a:prstGeom prst="rect">
+            <a:avLst/>
+          </a:prstGeom>
+        </p:spPr>
+        <p:txBody>
+          <a:bodyPr vert="horz" lIns="91440" tIns="45720" rIns="91440" bIns="45720" rtlCol="0"/>
+          <a:lstStyle>
+            <a:lvl1pPr algn="l">
+              <a:defRPr sz="1200"/>
+            </a:lvl1pPr>
+          </a:lstStyle>
+          <a:p>
+            <a:endParaRPr lang="en-US"/>
+          </a:p>
+        </p:txBody>
+      </p:sp>
+      <p:sp>
+        <p:nvSpPr>
+          <p:cNvPr id="3" name="Date Placeholder 2"/>
+          <p:cNvSpPr>
+            <a:spLocks noGrp="1"/>
+          </p:cNvSpPr>
+          <p:nvPr>
+            <p:ph type="dt" idx="1"/>
+          </p:nvPr>
+        </p:nvSpPr>
+        <p:spPr>
+          <a:xfrm>
+            <a:off x="3884613" y="0"/>
+            <a:ext cx="2971800" cy="458788"/>
+          </a:xfrm>
+          <a:prstGeom prst="rect">
+            <a:avLst/>
+          </a:prstGeom>
+        </p:spPr>
+        <p:txBody>
+          <a:bodyPr vert="horz" lIns="91440" tIns="45720" rIns="91440" bIns="45720" rtlCol="0"/>
+          <a:lstStyle>
+            <a:lvl1pPr algn="r">
+              <a:defRPr sz="1200"/>
+            </a:lvl1pPr>
+          </a:lstStyle>
+          <a:p>
+            <a:fld id="{22CAF628-FB36-4656-BF60-EE237A7A6DC6}" type="datetimeFigureOut">
+              <a:rPr lang="en-US" smtClean="0"/>
+              <a:t>1/17/2024</a:t>
+            </a:fld>
+            <a:endParaRPr lang="en-US"/>
+          </a:p>
+        </p:txBody>
+      </p:sp>
+      <p:sp>
+        <p:nvSpPr>
+          <p:cNvPr id="4" name="Slide Image Placeholder 3"/>
+          <p:cNvSpPr>
+            <a:spLocks noGrp="1" noRot="1" noChangeAspect="1"/>
+          </p:cNvSpPr>
+          <p:nvPr>
+            <p:ph type="sldImg" idx="2"/>
+          </p:nvPr>
+        </p:nvSpPr>
+        <p:spPr>
+          <a:xfrm>
+            <a:off x="685800" y="1143000"/>
+            <a:ext cx="5486400" cy="3086100"/>
+          </a:xfrm>
+          <a:prstGeom prst="rect">
+            <a:avLst/>
+          </a:prstGeom>
+          <a:noFill/>
+          <a:ln w="12700">
+            <a:solidFill>
+              <a:prstClr val="black"/>
+            </a:solidFill>
+          </a:ln>
+        </p:spPr>
+        <p:txBody>
+          <a:bodyPr vert="horz" lIns="91440" tIns="45720" rIns="91440" bIns="45720" rtlCol="0" anchor="ctr"/>
+          <a:lstStyle/>
+          <a:p>
+            <a:endParaRPr lang="en-US"/>
+          </a:p>
+        </p:txBody>
+      </p:sp>
+      <p:sp>
+        <p:nvSpPr>
+          <p:cNvPr id="5" name="Notes Placeholder 4"/>
+          <p:cNvSpPr>
+            <a:spLocks noGrp="1"/>
+          </p:cNvSpPr>
+          <p:nvPr>
+            <p:ph type="body" sz="quarter" idx="3"/>
+          </p:nvPr>
+        </p:nvSpPr>
+        <p:spPr>
+          <a:xfrm>
+            <a:off x="685800" y="4400550"/>
+            <a:ext cx="5486400" cy="3600450"/>
+          </a:xfrm>
+          <a:prstGeom prst="rect">
+            <a:avLst/>
+          </a:prstGeom>
+        </p:spPr>
+        <p:txBody>
+          <a:bodyPr vert="horz" lIns="91440" tIns="45720" rIns="91440" bIns="45720" rtlCol="0"/>
+          <a:lstStyle/>
+          <a:p>
+            <a:pPr lvl="0"/>
+            <a:r>
+              <a:rPr lang="en-US"/>
+              <a:t>Click to edit Master text styles</a:t>
+            </a:r>
+          </a:p>
+          <a:p>
+            <a:pPr lvl="1"/>
+            <a:r>
+              <a:rPr lang="en-US"/>
+              <a:t>Second level</a:t>
+            </a:r>
+          </a:p>
+          <a:p>
+            <a:pPr lvl="2"/>
+            <a:r>
+              <a:rPr lang="en-US"/>
+              <a:t>Third level</a:t>
+            </a:r>
+          </a:p>
+          <a:p>
+            <a:pPr lvl="3"/>
+            <a:r>
+              <a:rPr lang="en-US"/>
+              <a:t>Fourth level</a:t>
+            </a:r>
+          </a:p>
+          <a:p>
+            <a:pPr lvl="4"/>
+            <a:r>
+              <a:rPr lang="en-US"/>
+              <a:t>Fifth level</a:t>
+            </a:r>
+          </a:p>
+        </p:txBody>
+      </p:sp>
+      <p:sp>
+        <p:nvSpPr>
+          <p:cNvPr id="6" name="Footer Placeholder 5"/>
+          <p:cNvSpPr>
+            <a:spLocks noGrp="1"/>
+          </p:cNvSpPr>
+          <p:nvPr>
+            <p:ph type="ftr" sz="quarter" idx="4"/>
+          </p:nvPr>
+        </p:nvSpPr>
+        <p:spPr>
+          <a:xfrm>
+            <a:off x="0" y="8685213"/>
+            <a:ext cx="2971800" cy="458787"/>
+          </a:xfrm>
+          <a:prstGeom prst="rect">
+            <a:avLst/>
+          </a:prstGeom>
+        </p:spPr>
+        <p:txBody>
+          <a:bodyPr vert="horz" lIns="91440" tIns="45720" rIns="91440" bIns="45720" rtlCol="0" anchor="b"/>
+          <a:lstStyle>
+            <a:lvl1pPr algn="l">
+              <a:defRPr sz="1200"/>
+            </a:lvl1pPr>
+          </a:lstStyle>
+          <a:p>
+            <a:endParaRPr lang="en-US"/>
+          </a:p>
+        </p:txBody>
+      </p:sp>
+      <p:sp>
+        <p:nvSpPr>
+          <p:cNvPr id="7" name="Slide Number Placeholder 6"/>
+          <p:cNvSpPr>
+            <a:spLocks noGrp="1"/>
+          </p:cNvSpPr>
+          <p:nvPr>
+            <p:ph type="sldNum" sz="quarter" idx="5"/>
+          </p:nvPr>
+        </p:nvSpPr>
+        <p:spPr>
+          <a:xfrm>
+            <a:off x="3884613" y="8685213"/>
+            <a:ext cx="2971800" cy="458787"/>
+          </a:xfrm>
+          <a:prstGeom prst="rect">
+            <a:avLst/>
+          </a:prstGeom>
+        </p:spPr>
+        <p:txBody>
+          <a:bodyPr vert="horz" lIns="91440" tIns="45720" rIns="91440" bIns="45720" rtlCol="0" anchor="b"/>
+          <a:lstStyle>
+            <a:lvl1pPr algn="r">
+              <a:defRPr sz="1200"/>
+            </a:lvl1pPr>
+          </a:lstStyle>
+          <a:p>
+            <a:fld id="{169CC7BC-096C-4D6C-A12C-04FE8A20339A}" type="slidenum">
+              <a:rPr lang="en-US" smtClean="0"/>
+              <a:t>‹#›</a:t>
+            </a:fld>
+            <a:endParaRPr lang="en-US"/>
+          </a:p>
+        </p:txBody>
+      </p:sp>
+    </p:spTree>
+    <p:extLst>
+      <p:ext uri="{BB962C8B-B14F-4D97-AF65-F5344CB8AC3E}">
+        <p14:creationId xmlns:p14="http://schemas.microsoft.com/office/powerpoint/2010/main" val="4238022268"/>
+      </p:ext>
+    </p:extLst>
+  </p:cSld>
+  <p:clrMap bg1="lt1" tx1="dk1" bg2="lt2" tx2="dk2" accent1="accent1" accent2="accent2" accent3="accent3" accent4="accent4" accent5="accent5" accent6="accent6" hlink="hlink" folHlink="folHlink"/>
+  <p:notesStyle>
+    <a:lvl1pPr marL="0" algn="l" defTabSz="914400" rtl="0" eaLnBrk="1" latinLnBrk="0" hangingPunct="1">
+      <a:defRPr sz="1200" kern="1200">
+        <a:solidFill>
+          <a:schemeClr val="tx1"/>
+        </a:solidFill>
+        <a:latin typeface="+mn-lt"/>
+        <a:ea typeface="+mn-ea"/>
+        <a:cs typeface="+mn-cs"/>
+      </a:defRPr>
+    </a:lvl1pPr>
+    <a:lvl2pPr marL="457200" algn="l" defTabSz="914400" rtl="0" eaLnBrk="1" latinLnBrk="0" hangingPunct="1">
+      <a:defRPr sz="1200" kern="1200">
+        <a:solidFill>
+          <a:schemeClr val="tx1"/>
+        </a:solidFill>
+        <a:latin typeface="+mn-lt"/>
+        <a:ea typeface="+mn-ea"/>
+        <a:cs typeface="+mn-cs"/>
+      </a:defRPr>
+    </a:lvl2pPr>
+    <a:lvl3pPr marL="914400" algn="l" defTabSz="914400" rtl="0" eaLnBrk="1" latinLnBrk="0" hangingPunct="1">
+      <a:defRPr sz="1200" kern="1200">
+        <a:solidFill>
+          <a:schemeClr val="tx1"/>
+        </a:solidFill>
+        <a:latin typeface="+mn-lt"/>
+        <a:ea typeface="+mn-ea"/>
+        <a:cs typeface="+mn-cs"/>
+      </a:defRPr>
+    </a:lvl3pPr>
+    <a:lvl4pPr marL="1371600" algn="l" defTabSz="914400" rtl="0" eaLnBrk="1" latinLnBrk="0" hangingPunct="1">
+      <a:defRPr sz="1200" kern="1200">
+        <a:solidFill>
+          <a:schemeClr val="tx1"/>
+        </a:solidFill>
+        <a:latin typeface="+mn-lt"/>
+        <a:ea typeface="+mn-ea"/>
+        <a:cs typeface="+mn-cs"/>
+      </a:defRPr>
+    </a:lvl4pPr>
+    <a:lvl5pPr marL="1828800" algn="l" defTabSz="914400" rtl="0" eaLnBrk="1" latinLnBrk="0" hangingPunct="1">
+      <a:defRPr sz="1200" kern="1200">
+        <a:solidFill>
+          <a:schemeClr val="tx1"/>
+        </a:solidFill>
+        <a:latin typeface="+mn-lt"/>
+        <a:ea typeface="+mn-ea"/>
+        <a:cs typeface="+mn-cs"/>
+      </a:defRPr>
+    </a:lvl5pPr>
+    <a:lvl6pPr marL="2286000" algn="l" defTabSz="914400" rtl="0" eaLnBrk="1" latinLnBrk="0" hangingPunct="1">
+      <a:defRPr sz="1200" kern="1200">
+        <a:solidFill>
+          <a:schemeClr val="tx1"/>
+        </a:solidFill>
+        <a:latin typeface="+mn-lt"/>
+        <a:ea typeface="+mn-ea"/>
+        <a:cs typeface="+mn-cs"/>
+      </a:defRPr>
+    </a:lvl6pPr>
+    <a:lvl7pPr marL="2743200" algn="l" defTabSz="914400" rtl="0" eaLnBrk="1" latinLnBrk="0" hangingPunct="1">
+      <a:defRPr sz="1200" kern="1200">
+        <a:solidFill>
+          <a:schemeClr val="tx1"/>
+        </a:solidFill>
+        <a:latin typeface="+mn-lt"/>
+        <a:ea typeface="+mn-ea"/>
+        <a:cs typeface="+mn-cs"/>
+      </a:defRPr>
+    </a:lvl7pPr>
+    <a:lvl8pPr marL="3200400" algn="l" defTabSz="914400" rtl="0" eaLnBrk="1" latinLnBrk="0" hangingPunct="1">
+      <a:defRPr sz="1200" kern="1200">
+        <a:solidFill>
+          <a:schemeClr val="tx1"/>
+        </a:solidFill>
+        <a:latin typeface="+mn-lt"/>
+        <a:ea typeface="+mn-ea"/>
+        <a:cs typeface="+mn-cs"/>
+      </a:defRPr>
+    </a:lvl8pPr>
+    <a:lvl9pPr marL="3657600" algn="l" defTabSz="914400" rtl="0" eaLnBrk="1" latinLnBrk="0" hangingPunct="1">
+      <a:defRPr sz="1200" kern="1200">
+        <a:solidFill>
+          <a:schemeClr val="tx1"/>
+        </a:solidFill>
+        <a:latin typeface="+mn-lt"/>
+        <a:ea typeface="+mn-ea"/>
+        <a:cs typeface="+mn-cs"/>
+      </a:defRPr>
+    </a:lvl9pPr>
+  </p:notesStyle>
+</p:notesMaster>
+</file>
+
+<file path=ppt/notesSlides/notesSlide1.xml><?xml version="1.0" encoding="utf-8"?>
+<p:notes xmlns:a="http://schemas.openxmlformats.org/drawingml/2006/main" xmlns:r="http://schemas.openxmlformats.org/officeDocument/2006/relationships" xmlns:p="http://schemas.openxmlformats.org/presentationml/2006/main">
+  <p:cSld>
+    <p:spTree>
+      <p:nvGrpSpPr>
+        <p:cNvPr id="1" name=""/>
+        <p:cNvGrpSpPr/>
+        <p:nvPr/>
+      </p:nvGrpSpPr>
+      <p:grpSpPr>
+        <a:xfrm>
+          <a:off x="0" y="0"/>
+          <a:ext cx="0" cy="0"/>
+          <a:chOff x="0" y="0"/>
+          <a:chExt cx="0" cy="0"/>
+        </a:xfrm>
+      </p:grpSpPr>
+      <p:sp>
+        <p:nvSpPr>
+          <p:cNvPr id="2" name="Slide Image Placeholder 1"/>
+          <p:cNvSpPr>
+            <a:spLocks noGrp="1" noRot="1" noChangeAspect="1"/>
+          </p:cNvSpPr>
+          <p:nvPr>
+            <p:ph type="sldImg"/>
+          </p:nvPr>
+        </p:nvSpPr>
+        <p:spPr/>
+      </p:sp>
+      <p:sp>
+        <p:nvSpPr>
+          <p:cNvPr id="3" name="Notes Placeholder 2"/>
+          <p:cNvSpPr>
+            <a:spLocks noGrp="1"/>
+          </p:cNvSpPr>
+          <p:nvPr>
+            <p:ph type="body" idx="1"/>
+          </p:nvPr>
+        </p:nvSpPr>
+        <p:spPr/>
+        <p:txBody>
+          <a:bodyPr/>
+          <a:lstStyle/>
+          <a:p>
+            <a:pPr marL="0" marR="0" lvl="0" indent="0" algn="l" defTabSz="914400" rtl="0" eaLnBrk="1" fontAlgn="auto" latinLnBrk="0" hangingPunct="1">
+              <a:lnSpc>
+                <a:spcPct val="100000"/>
+              </a:lnSpc>
+              <a:spcBef>
+                <a:spcPts val="0"/>
+              </a:spcBef>
+              <a:spcAft>
+                <a:spcPts val="0"/>
+              </a:spcAft>
+              <a:buClrTx/>
+              <a:buSzTx/>
+              <a:buFontTx/>
+              <a:buNone/>
+              <a:tabLst/>
+              <a:defRPr/>
+            </a:pPr>
+            <a:r>
+              <a:rPr lang="en-US" altLang="ko-KR" sz="1200" b="1" dirty="0">
+                <a:solidFill>
+                  <a:srgbClr val="FFC000"/>
+                </a:solidFill>
+                <a:cs typeface="Arial" pitchFamily="34" charset="0"/>
+              </a:rPr>
+              <a:t>Fostering a Positive Work Culture</a:t>
+            </a:r>
+            <a:endParaRPr lang="ko-KR" altLang="en-US" sz="1200" b="1" dirty="0">
+              <a:solidFill>
+                <a:srgbClr val="FFC000"/>
+              </a:solidFill>
+              <a:cs typeface="Arial" pitchFamily="34" charset="0"/>
+            </a:endParaRPr>
+          </a:p>
+          <a:p>
+            <a:r>
+              <a:rPr lang="en-US" altLang="ko-KR" sz="1200" dirty="0">
+                <a:solidFill>
+                  <a:schemeClr val="bg1"/>
+                </a:solidFill>
+                <a:cs typeface="Arial" pitchFamily="34" charset="0"/>
+              </a:rPr>
+              <a:t>- Autonomy cultivates an environment where employees feel trusted and valued.</a:t>
+            </a:r>
+          </a:p>
+          <a:p>
+            <a:r>
+              <a:rPr lang="en-US" altLang="ko-KR" sz="1200" dirty="0">
+                <a:solidFill>
+                  <a:schemeClr val="bg1"/>
+                </a:solidFill>
+                <a:cs typeface="Arial" pitchFamily="34" charset="0"/>
+              </a:rPr>
+              <a:t>- Teams thrive when they are given the freedom to explore and implement their ideas, leading to a more positive and collaborative workplace.</a:t>
+            </a:r>
+          </a:p>
+          <a:p>
+            <a:pPr marL="0" marR="0" lvl="0" indent="0" algn="l" defTabSz="914400" rtl="0" eaLnBrk="1" fontAlgn="auto" latinLnBrk="0" hangingPunct="1">
+              <a:lnSpc>
+                <a:spcPct val="100000"/>
+              </a:lnSpc>
+              <a:spcBef>
+                <a:spcPts val="0"/>
+              </a:spcBef>
+              <a:spcAft>
+                <a:spcPts val="0"/>
+              </a:spcAft>
+              <a:buClrTx/>
+              <a:buSzTx/>
+              <a:buFontTx/>
+              <a:buNone/>
+              <a:tabLst/>
+              <a:defRPr/>
+            </a:pPr>
+            <a:r>
+              <a:rPr lang="en-US" altLang="ko-KR" sz="1200" b="1" dirty="0">
+                <a:solidFill>
+                  <a:srgbClr val="FFC000"/>
+                </a:solidFill>
+                <a:cs typeface="Arial" pitchFamily="34" charset="0"/>
+              </a:rPr>
+              <a:t>Contributing to Organizational Success</a:t>
+            </a:r>
+            <a:endParaRPr lang="ko-KR" altLang="en-US" sz="1200" b="1" dirty="0">
+              <a:solidFill>
+                <a:srgbClr val="FFC000"/>
+              </a:solidFill>
+              <a:cs typeface="Arial" pitchFamily="34" charset="0"/>
+            </a:endParaRPr>
+          </a:p>
+          <a:p>
+            <a:r>
+              <a:rPr lang="en-US" altLang="ko-KR" sz="1200" dirty="0">
+                <a:solidFill>
+                  <a:schemeClr val="bg1"/>
+                </a:solidFill>
+                <a:cs typeface="Arial" pitchFamily="34" charset="0"/>
+              </a:rPr>
+              <a:t>- Organizations that embrace autonomy often experience increased productivity and efficiency.</a:t>
+            </a:r>
+          </a:p>
+          <a:p>
+            <a:r>
+              <a:rPr lang="en-US" altLang="ko-KR" sz="1200" dirty="0">
+                <a:solidFill>
+                  <a:schemeClr val="bg1"/>
+                </a:solidFill>
+                <a:cs typeface="Arial" pitchFamily="34" charset="0"/>
+              </a:rPr>
+              <a:t>- Empowered individuals are more likely to take ownership of their roles, leading to higher levels of commitment and dedication to achieving shared goals.</a:t>
+            </a:r>
+          </a:p>
+          <a:p>
+            <a:pPr marL="0" marR="0" lvl="0" indent="0" algn="l" defTabSz="914400" rtl="0" eaLnBrk="1" fontAlgn="auto" latinLnBrk="0" hangingPunct="1">
+              <a:lnSpc>
+                <a:spcPct val="100000"/>
+              </a:lnSpc>
+              <a:spcBef>
+                <a:spcPts val="0"/>
+              </a:spcBef>
+              <a:spcAft>
+                <a:spcPts val="0"/>
+              </a:spcAft>
+              <a:buClrTx/>
+              <a:buSzTx/>
+              <a:buFontTx/>
+              <a:buNone/>
+              <a:tabLst/>
+              <a:defRPr/>
+            </a:pPr>
+            <a:r>
+              <a:rPr lang="en-US" altLang="ko-KR" sz="1200" b="1" dirty="0">
+                <a:solidFill>
+                  <a:srgbClr val="FFC000"/>
+                </a:solidFill>
+                <a:cs typeface="Arial" pitchFamily="34" charset="0"/>
+              </a:rPr>
+              <a:t>Encouraging Innovation and Adaptability</a:t>
+            </a:r>
+            <a:endParaRPr lang="ko-KR" altLang="en-US" sz="1200" b="1" dirty="0">
+              <a:solidFill>
+                <a:srgbClr val="FFC000"/>
+              </a:solidFill>
+              <a:cs typeface="Arial" pitchFamily="34" charset="0"/>
+            </a:endParaRPr>
+          </a:p>
+          <a:p>
+            <a:r>
+              <a:rPr lang="en-US" altLang="ko-KR" sz="1200" dirty="0">
+                <a:solidFill>
+                  <a:schemeClr val="bg1"/>
+                </a:solidFill>
+                <a:cs typeface="Arial" pitchFamily="34" charset="0"/>
+              </a:rPr>
+              <a:t>- Autonomy encourages a mindset of innovation and adaptability.</a:t>
+            </a:r>
+          </a:p>
+          <a:p>
+            <a:r>
+              <a:rPr lang="en-US" altLang="ko-KR" sz="1200" dirty="0">
+                <a:solidFill>
+                  <a:schemeClr val="bg1"/>
+                </a:solidFill>
+                <a:cs typeface="Arial" pitchFamily="34" charset="0"/>
+              </a:rPr>
+              <a:t>- When individuals have the freedom to experiment and take calculated risks, it sparks creativity and helps organizations stay agile in rapidly changing environments.</a:t>
+            </a:r>
+          </a:p>
+          <a:p>
+            <a:pPr marL="0" marR="0" lvl="0" indent="0" algn="l" defTabSz="914400" rtl="0" eaLnBrk="1" fontAlgn="auto" latinLnBrk="0" hangingPunct="1">
+              <a:lnSpc>
+                <a:spcPct val="100000"/>
+              </a:lnSpc>
+              <a:spcBef>
+                <a:spcPts val="0"/>
+              </a:spcBef>
+              <a:spcAft>
+                <a:spcPts val="0"/>
+              </a:spcAft>
+              <a:buClrTx/>
+              <a:buSzTx/>
+              <a:buFontTx/>
+              <a:buNone/>
+              <a:tabLst/>
+              <a:defRPr/>
+            </a:pPr>
+            <a:r>
+              <a:rPr lang="en-US" altLang="ko-KR" sz="1200" b="1" dirty="0">
+                <a:solidFill>
+                  <a:srgbClr val="FFC000"/>
+                </a:solidFill>
+                <a:cs typeface="Arial" pitchFamily="34" charset="0"/>
+              </a:rPr>
+              <a:t>Building Employee Engagement</a:t>
+            </a:r>
+            <a:endParaRPr lang="ko-KR" altLang="en-US" sz="1200" b="1" dirty="0">
+              <a:solidFill>
+                <a:srgbClr val="FFC000"/>
+              </a:solidFill>
+              <a:cs typeface="Arial" pitchFamily="34" charset="0"/>
+            </a:endParaRPr>
+          </a:p>
+          <a:p>
+            <a:r>
+              <a:rPr lang="en-US" altLang="ko-KR" sz="1200" dirty="0">
+                <a:solidFill>
+                  <a:schemeClr val="bg1"/>
+                </a:solidFill>
+                <a:cs typeface="Arial" pitchFamily="34" charset="0"/>
+              </a:rPr>
+              <a:t>- Autonomy plays a crucial role in building and sustaining employee engagement.</a:t>
+            </a:r>
+          </a:p>
+          <a:p>
+            <a:r>
+              <a:rPr lang="en-US" altLang="ko-KR" sz="1200" dirty="0">
+                <a:solidFill>
+                  <a:schemeClr val="bg1"/>
+                </a:solidFill>
+                <a:cs typeface="Arial" pitchFamily="34" charset="0"/>
+              </a:rPr>
+              <a:t>- When individuals have the authority to make decisions that impact their work, they are more invested in their tasks, leading to increased satisfaction and dedication.</a:t>
+            </a:r>
+          </a:p>
+          <a:p>
+            <a:endParaRPr lang="en-US" dirty="0"/>
+          </a:p>
+        </p:txBody>
+      </p:sp>
+      <p:sp>
+        <p:nvSpPr>
+          <p:cNvPr id="4" name="Slide Number Placeholder 3"/>
+          <p:cNvSpPr>
+            <a:spLocks noGrp="1"/>
+          </p:cNvSpPr>
+          <p:nvPr>
+            <p:ph type="sldNum" sz="quarter" idx="5"/>
+          </p:nvPr>
+        </p:nvSpPr>
+        <p:spPr/>
+        <p:txBody>
+          <a:bodyPr/>
+          <a:lstStyle/>
+          <a:p>
+            <a:fld id="{169CC7BC-096C-4D6C-A12C-04FE8A20339A}" type="slidenum">
+              <a:rPr lang="en-US" smtClean="0"/>
+              <a:t>4</a:t>
+            </a:fld>
+            <a:endParaRPr lang="en-US"/>
+          </a:p>
+        </p:txBody>
+      </p:sp>
+    </p:spTree>
+    <p:extLst>
+      <p:ext uri="{BB962C8B-B14F-4D97-AF65-F5344CB8AC3E}">
+        <p14:creationId xmlns:p14="http://schemas.microsoft.com/office/powerpoint/2010/main" val="4117663638"/>
+      </p:ext>
+    </p:extLst>
+  </p:cSld>
+  <p:clrMapOvr>
+    <a:masterClrMapping/>
+  </p:clrMapOvr>
+</p:notes>
 </file>
 
 <file path=ppt/slideLayouts/slideLayout1.xml><?xml version="1.0" encoding="utf-8"?>
@@ -5926,7 +6586,7 @@
                 </a:solidFill>
                 <a:cs typeface="Arial" pitchFamily="34" charset="0"/>
               </a:rPr>
-              <a:t>AT WORK</a:t>
+              <a:t>Nguyen Dinh Ngoc Tri</a:t>
             </a:r>
             <a:endParaRPr lang="ko-KR" altLang="en-US" dirty="0">
               <a:solidFill>
@@ -6506,7 +7166,11 @@
           <a:lstStyle/>
           <a:p>
             <a:r>
-              <a:rPr lang="en-US" dirty="0"/>
+              <a:rPr lang="en-US" dirty="0">
+                <a:solidFill>
+                  <a:srgbClr val="C00000"/>
+                </a:solidFill>
+              </a:rPr>
               <a:t>Tips for Employers</a:t>
             </a:r>
           </a:p>
@@ -6526,15 +7190,13 @@
         </p:nvSpPr>
         <p:spPr>
           <a:xfrm>
-            <a:off x="1288601" y="2001977"/>
-            <a:ext cx="12010710" cy="767967"/>
+            <a:off x="5095402" y="2472302"/>
+            <a:ext cx="4829982" cy="670057"/>
           </a:xfrm>
           <a:prstGeom prst="rect">
             <a:avLst/>
           </a:prstGeom>
-          <a:solidFill>
-            <a:schemeClr val="accent1"/>
-          </a:solidFill>
+          <a:noFill/>
           <a:ln>
             <a:noFill/>
           </a:ln>
@@ -6559,17 +7221,17 @@
           <a:bodyPr rtlCol="0" anchor="ctr"/>
           <a:lstStyle/>
           <a:p>
-            <a:pPr algn="ctr"/>
+            <a:pPr algn="r"/>
             <a:r>
-              <a:rPr lang="en-US" sz="2800" b="1" i="0" dirty="0">
+              <a:rPr lang="en-US" b="1" i="0" dirty="0">
+                <a:solidFill>
+                  <a:srgbClr val="7030A0"/>
+                </a:solidFill>
                 <a:effectLst/>
                 <a:latin typeface="+mj-lt"/>
               </a:rPr>
-              <a:t>Foster a Culture of Trust and Open Communication</a:t>
+              <a:t>Offer Flexibility in Work Structures</a:t>
             </a:r>
-            <a:endParaRPr lang="ko-KR" altLang="en-US" sz="2700" dirty="0">
-              <a:latin typeface="+mj-lt"/>
-            </a:endParaRPr>
           </a:p>
         </p:txBody>
       </p:sp>
@@ -6587,15 +7249,13 @@
         </p:nvSpPr>
         <p:spPr>
           <a:xfrm>
-            <a:off x="1018567" y="3095931"/>
-            <a:ext cx="12280744" cy="767967"/>
+            <a:off x="3251200" y="4492026"/>
+            <a:ext cx="6850550" cy="670057"/>
           </a:xfrm>
           <a:prstGeom prst="rect">
             <a:avLst/>
           </a:prstGeom>
-          <a:solidFill>
-            <a:schemeClr val="accent2"/>
-          </a:solidFill>
+          <a:noFill/>
           <a:ln>
             <a:noFill/>
           </a:ln>
@@ -6620,17 +7280,16 @@
           <a:bodyPr rtlCol="0" anchor="ctr"/>
           <a:lstStyle/>
           <a:p>
-            <a:pPr algn="ctr"/>
             <a:r>
-              <a:rPr lang="en-US" sz="2800" b="1" i="0" dirty="0">
+              <a:rPr lang="en-US" b="1" i="0" dirty="0">
+                <a:solidFill>
+                  <a:srgbClr val="00B0F0"/>
+                </a:solidFill>
                 <a:effectLst/>
                 <a:latin typeface="+mj-lt"/>
               </a:rPr>
-              <a:t>Provide Resources and Training for Skill Development</a:t>
+              <a:t>Recognize and Celebrate Individual and Team Achievements</a:t>
             </a:r>
-            <a:endParaRPr lang="ko-KR" altLang="en-US" sz="2700" dirty="0">
-              <a:latin typeface="+mj-lt"/>
-            </a:endParaRPr>
           </a:p>
         </p:txBody>
       </p:sp>
@@ -6648,15 +7307,13 @@
         </p:nvSpPr>
         <p:spPr>
           <a:xfrm>
-            <a:off x="766789" y="4149541"/>
-            <a:ext cx="12532522" cy="767967"/>
+            <a:off x="2233138" y="3454449"/>
+            <a:ext cx="6528091" cy="670057"/>
           </a:xfrm>
           <a:prstGeom prst="rect">
             <a:avLst/>
           </a:prstGeom>
-          <a:solidFill>
-            <a:schemeClr val="accent3"/>
-          </a:solidFill>
+          <a:noFill/>
           <a:ln>
             <a:noFill/>
           </a:ln>
@@ -6681,371 +7338,18 @@
           <a:bodyPr rtlCol="0" anchor="ctr"/>
           <a:lstStyle/>
           <a:p>
-            <a:pPr algn="ctr"/>
             <a:r>
-              <a:rPr lang="en-US" sz="2800" b="1" i="0" dirty="0">
+              <a:rPr lang="en-US" b="1" i="0" dirty="0">
+                <a:solidFill>
+                  <a:schemeClr val="accent1">
+                    <a:lumMod val="75000"/>
+                  </a:schemeClr>
+                </a:solidFill>
                 <a:effectLst/>
                 <a:latin typeface="+mj-lt"/>
               </a:rPr>
-              <a:t>Recognize and Celebrate Individual and Team Achievements</a:t>
+              <a:t>Provide Resources and Training for Skill Development</a:t>
             </a:r>
-            <a:endParaRPr lang="ko-KR" altLang="en-US" sz="2700" dirty="0">
-              <a:latin typeface="+mj-lt"/>
-            </a:endParaRPr>
-          </a:p>
-        </p:txBody>
-      </p:sp>
-      <p:sp>
-        <p:nvSpPr>
-          <p:cNvPr id="11" name="Parallelogram 10">
-            <a:extLst>
-              <a:ext uri="{FF2B5EF4-FFF2-40B4-BE49-F238E27FC236}">
-                <a16:creationId xmlns:a16="http://schemas.microsoft.com/office/drawing/2014/main" id="{22EC10B9-2E00-4977-BD48-BF5833345F2A}"/>
-              </a:ext>
-            </a:extLst>
-          </p:cNvPr>
-          <p:cNvSpPr/>
-          <p:nvPr/>
-        </p:nvSpPr>
-        <p:spPr>
-          <a:xfrm rot="8690186">
-            <a:off x="401694" y="3879904"/>
-            <a:ext cx="1794009" cy="632014"/>
-          </a:xfrm>
-          <a:prstGeom prst="parallelogram">
-            <a:avLst>
-              <a:gd name="adj" fmla="val 67445"/>
-            </a:avLst>
-          </a:prstGeom>
-          <a:solidFill>
-            <a:schemeClr val="accent3"/>
-          </a:solidFill>
-          <a:ln w="38100">
-            <a:solidFill>
-              <a:schemeClr val="bg1"/>
-            </a:solidFill>
-          </a:ln>
-        </p:spPr>
-        <p:style>
-          <a:lnRef idx="2">
-            <a:schemeClr val="accent1">
-              <a:shade val="50000"/>
-            </a:schemeClr>
-          </a:lnRef>
-          <a:fillRef idx="1">
-            <a:schemeClr val="accent1"/>
-          </a:fillRef>
-          <a:effectRef idx="0">
-            <a:schemeClr val="accent1"/>
-          </a:effectRef>
-          <a:fontRef idx="minor">
-            <a:schemeClr val="lt1"/>
-          </a:fontRef>
-        </p:style>
-        <p:txBody>
-          <a:bodyPr rot="0" spcFirstLastPara="0" vertOverflow="overflow" horzOverflow="overflow" vert="horz" wrap="square" lIns="91440" tIns="45720" rIns="91440" bIns="45720" numCol="1" spcCol="0" rtlCol="0" fromWordArt="0" anchor="ctr" anchorCtr="0" forceAA="0" compatLnSpc="1">
-            <a:prstTxWarp prst="textNoShape">
-              <a:avLst/>
-            </a:prstTxWarp>
-            <a:noAutofit/>
-          </a:bodyPr>
-          <a:lstStyle/>
-          <a:p>
-            <a:pPr algn="ctr"/>
-            <a:endParaRPr lang="ko-KR" altLang="en-US" sz="2700" dirty="0"/>
-          </a:p>
-        </p:txBody>
-      </p:sp>
-      <p:sp>
-        <p:nvSpPr>
-          <p:cNvPr id="12" name="Parallelogram 11">
-            <a:extLst>
-              <a:ext uri="{FF2B5EF4-FFF2-40B4-BE49-F238E27FC236}">
-                <a16:creationId xmlns:a16="http://schemas.microsoft.com/office/drawing/2014/main" id="{B0BFF40E-F6E3-4DE3-9D6B-C7CE9BDECB1B}"/>
-              </a:ext>
-            </a:extLst>
-          </p:cNvPr>
-          <p:cNvSpPr/>
-          <p:nvPr/>
-        </p:nvSpPr>
-        <p:spPr>
-          <a:xfrm rot="8690186">
-            <a:off x="674041" y="2806026"/>
-            <a:ext cx="1794009" cy="632014"/>
-          </a:xfrm>
-          <a:prstGeom prst="parallelogram">
-            <a:avLst>
-              <a:gd name="adj" fmla="val 67445"/>
-            </a:avLst>
-          </a:prstGeom>
-          <a:solidFill>
-            <a:schemeClr val="accent2"/>
-          </a:solidFill>
-          <a:ln w="38100">
-            <a:solidFill>
-              <a:schemeClr val="bg1"/>
-            </a:solidFill>
-          </a:ln>
-        </p:spPr>
-        <p:style>
-          <a:lnRef idx="2">
-            <a:schemeClr val="accent1">
-              <a:shade val="50000"/>
-            </a:schemeClr>
-          </a:lnRef>
-          <a:fillRef idx="1">
-            <a:schemeClr val="accent1"/>
-          </a:fillRef>
-          <a:effectRef idx="0">
-            <a:schemeClr val="accent1"/>
-          </a:effectRef>
-          <a:fontRef idx="minor">
-            <a:schemeClr val="lt1"/>
-          </a:fontRef>
-        </p:style>
-        <p:txBody>
-          <a:bodyPr rot="0" spcFirstLastPara="0" vertOverflow="overflow" horzOverflow="overflow" vert="horz" wrap="square" lIns="91440" tIns="45720" rIns="91440" bIns="45720" numCol="1" spcCol="0" rtlCol="0" fromWordArt="0" anchor="ctr" anchorCtr="0" forceAA="0" compatLnSpc="1">
-            <a:prstTxWarp prst="textNoShape">
-              <a:avLst/>
-            </a:prstTxWarp>
-            <a:noAutofit/>
-          </a:bodyPr>
-          <a:lstStyle/>
-          <a:p>
-            <a:pPr algn="ctr"/>
-            <a:endParaRPr lang="ko-KR" altLang="en-US" sz="2700" dirty="0"/>
-          </a:p>
-        </p:txBody>
-      </p:sp>
-      <p:sp>
-        <p:nvSpPr>
-          <p:cNvPr id="13" name="Parallelogram 12">
-            <a:extLst>
-              <a:ext uri="{FF2B5EF4-FFF2-40B4-BE49-F238E27FC236}">
-                <a16:creationId xmlns:a16="http://schemas.microsoft.com/office/drawing/2014/main" id="{C6ED77C1-4182-46B3-ACC8-4A673E592015}"/>
-              </a:ext>
-            </a:extLst>
-          </p:cNvPr>
-          <p:cNvSpPr/>
-          <p:nvPr/>
-        </p:nvSpPr>
-        <p:spPr>
-          <a:xfrm rot="8690186">
-            <a:off x="946388" y="1732148"/>
-            <a:ext cx="1794009" cy="632014"/>
-          </a:xfrm>
-          <a:prstGeom prst="parallelogram">
-            <a:avLst>
-              <a:gd name="adj" fmla="val 67445"/>
-            </a:avLst>
-          </a:prstGeom>
-          <a:solidFill>
-            <a:schemeClr val="accent1"/>
-          </a:solidFill>
-          <a:ln w="38100">
-            <a:solidFill>
-              <a:schemeClr val="bg1"/>
-            </a:solidFill>
-          </a:ln>
-        </p:spPr>
-        <p:style>
-          <a:lnRef idx="2">
-            <a:schemeClr val="accent1">
-              <a:shade val="50000"/>
-            </a:schemeClr>
-          </a:lnRef>
-          <a:fillRef idx="1">
-            <a:schemeClr val="accent1"/>
-          </a:fillRef>
-          <a:effectRef idx="0">
-            <a:schemeClr val="accent1"/>
-          </a:effectRef>
-          <a:fontRef idx="minor">
-            <a:schemeClr val="lt1"/>
-          </a:fontRef>
-        </p:style>
-        <p:txBody>
-          <a:bodyPr rot="0" spcFirstLastPara="0" vertOverflow="overflow" horzOverflow="overflow" vert="horz" wrap="square" lIns="91440" tIns="45720" rIns="91440" bIns="45720" numCol="1" spcCol="0" rtlCol="0" fromWordArt="0" anchor="ctr" anchorCtr="0" forceAA="0" compatLnSpc="1">
-            <a:prstTxWarp prst="textNoShape">
-              <a:avLst/>
-            </a:prstTxWarp>
-            <a:noAutofit/>
-          </a:bodyPr>
-          <a:lstStyle/>
-          <a:p>
-            <a:pPr algn="ctr"/>
-            <a:endParaRPr lang="ko-KR" altLang="en-US" sz="2700"/>
-          </a:p>
-        </p:txBody>
-      </p:sp>
-      <p:sp>
-        <p:nvSpPr>
-          <p:cNvPr id="30" name="TextBox 29">
-            <a:extLst>
-              <a:ext uri="{FF2B5EF4-FFF2-40B4-BE49-F238E27FC236}">
-                <a16:creationId xmlns:a16="http://schemas.microsoft.com/office/drawing/2014/main" id="{B1472809-0250-46E2-99CA-2B127EDA68B1}"/>
-              </a:ext>
-            </a:extLst>
-          </p:cNvPr>
-          <p:cNvSpPr txBox="1"/>
-          <p:nvPr/>
-        </p:nvSpPr>
-        <p:spPr>
-          <a:xfrm rot="19588409">
-            <a:off x="1290622" y="1717059"/>
-            <a:ext cx="960339" cy="584775"/>
-          </a:xfrm>
-          <a:prstGeom prst="rect">
-            <a:avLst/>
-          </a:prstGeom>
-          <a:noFill/>
-        </p:spPr>
-        <p:txBody>
-          <a:bodyPr wrap="square" rtlCol="0">
-            <a:spAutoFit/>
-          </a:bodyPr>
-          <a:lstStyle/>
-          <a:p>
-            <a:pPr algn="ctr"/>
-            <a:r>
-              <a:rPr lang="en-US" altLang="ko-KR" sz="3200" b="1" dirty="0">
-                <a:ln w="12700">
-                  <a:solidFill>
-                    <a:schemeClr val="bg1"/>
-                  </a:solidFill>
-                </a:ln>
-                <a:solidFill>
-                  <a:schemeClr val="bg1"/>
-                </a:solidFill>
-                <a:cs typeface="Arial" pitchFamily="34" charset="0"/>
-              </a:rPr>
-              <a:t>01</a:t>
-            </a:r>
-            <a:endParaRPr lang="ko-KR" altLang="en-US" sz="3200" b="1" dirty="0">
-              <a:ln w="12700">
-                <a:solidFill>
-                  <a:schemeClr val="bg1"/>
-                </a:solidFill>
-              </a:ln>
-              <a:solidFill>
-                <a:schemeClr val="bg1"/>
-              </a:solidFill>
-              <a:cs typeface="Arial" pitchFamily="34" charset="0"/>
-            </a:endParaRPr>
-          </a:p>
-        </p:txBody>
-      </p:sp>
-      <p:sp>
-        <p:nvSpPr>
-          <p:cNvPr id="31" name="TextBox 30">
-            <a:extLst>
-              <a:ext uri="{FF2B5EF4-FFF2-40B4-BE49-F238E27FC236}">
-                <a16:creationId xmlns:a16="http://schemas.microsoft.com/office/drawing/2014/main" id="{8273488D-C095-473A-911B-F379363A0082}"/>
-              </a:ext>
-            </a:extLst>
-          </p:cNvPr>
-          <p:cNvSpPr txBox="1"/>
-          <p:nvPr/>
-        </p:nvSpPr>
-        <p:spPr>
-          <a:xfrm rot="19588409">
-            <a:off x="1014423" y="2809853"/>
-            <a:ext cx="960339" cy="584775"/>
-          </a:xfrm>
-          <a:prstGeom prst="rect">
-            <a:avLst/>
-          </a:prstGeom>
-          <a:noFill/>
-        </p:spPr>
-        <p:txBody>
-          <a:bodyPr wrap="square" rtlCol="0">
-            <a:spAutoFit/>
-          </a:bodyPr>
-          <a:lstStyle/>
-          <a:p>
-            <a:pPr algn="ctr"/>
-            <a:r>
-              <a:rPr lang="en-US" altLang="ko-KR" sz="3200" b="1" dirty="0">
-                <a:ln w="12700">
-                  <a:solidFill>
-                    <a:schemeClr val="bg1"/>
-                  </a:solidFill>
-                </a:ln>
-                <a:solidFill>
-                  <a:schemeClr val="bg1"/>
-                </a:solidFill>
-                <a:cs typeface="Arial" pitchFamily="34" charset="0"/>
-              </a:rPr>
-              <a:t>02</a:t>
-            </a:r>
-            <a:endParaRPr lang="ko-KR" altLang="en-US" sz="3200" b="1" dirty="0">
-              <a:ln w="12700">
-                <a:solidFill>
-                  <a:schemeClr val="bg1"/>
-                </a:solidFill>
-              </a:ln>
-              <a:solidFill>
-                <a:schemeClr val="bg1"/>
-              </a:solidFill>
-              <a:cs typeface="Arial" pitchFamily="34" charset="0"/>
-            </a:endParaRPr>
-          </a:p>
-        </p:txBody>
-      </p:sp>
-      <p:sp>
-        <p:nvSpPr>
-          <p:cNvPr id="32" name="TextBox 31">
-            <a:extLst>
-              <a:ext uri="{FF2B5EF4-FFF2-40B4-BE49-F238E27FC236}">
-                <a16:creationId xmlns:a16="http://schemas.microsoft.com/office/drawing/2014/main" id="{23B7BDE5-2286-445E-BEEB-5499FB7954B6}"/>
-              </a:ext>
-            </a:extLst>
-          </p:cNvPr>
-          <p:cNvSpPr txBox="1"/>
-          <p:nvPr/>
-        </p:nvSpPr>
-        <p:spPr>
-          <a:xfrm rot="19588409">
-            <a:off x="738224" y="3902647"/>
-            <a:ext cx="960339" cy="584775"/>
-          </a:xfrm>
-          <a:prstGeom prst="rect">
-            <a:avLst/>
-          </a:prstGeom>
-          <a:noFill/>
-        </p:spPr>
-        <p:txBody>
-          <a:bodyPr wrap="square" rtlCol="0">
-            <a:spAutoFit/>
-          </a:bodyPr>
-          <a:lstStyle/>
-          <a:p>
-            <a:pPr algn="ctr"/>
-            <a:r>
-              <a:rPr lang="en-US" altLang="ko-KR" sz="3200" b="1" dirty="0">
-                <a:ln w="12700">
-                  <a:solidFill>
-                    <a:schemeClr val="bg1"/>
-                  </a:solidFill>
-                </a:ln>
-                <a:solidFill>
-                  <a:schemeClr val="bg1"/>
-                </a:solidFill>
-                <a:cs typeface="Arial" pitchFamily="34" charset="0"/>
-              </a:rPr>
-              <a:t>03</a:t>
-            </a:r>
-            <a:endParaRPr lang="ko-KR" altLang="en-US" sz="3200" b="1" dirty="0">
-              <a:ln w="12700">
-                <a:solidFill>
-                  <a:schemeClr val="bg1"/>
-                </a:solidFill>
-              </a:ln>
-              <a:solidFill>
-                <a:schemeClr val="bg1"/>
-              </a:solidFill>
-              <a:cs typeface="Arial" pitchFamily="34" charset="0"/>
-            </a:endParaRPr>
           </a:p>
         </p:txBody>
       </p:sp>
@@ -7063,17 +7367,13 @@
         </p:nvSpPr>
         <p:spPr>
           <a:xfrm>
-            <a:off x="383394" y="5276758"/>
-            <a:ext cx="12915917" cy="767967"/>
+            <a:off x="2233138" y="1766923"/>
+            <a:ext cx="6077742" cy="609143"/>
           </a:xfrm>
           <a:prstGeom prst="rect">
             <a:avLst/>
           </a:prstGeom>
-          <a:solidFill>
-            <a:schemeClr val="accent5">
-              <a:lumMod val="75000"/>
-            </a:schemeClr>
-          </a:solidFill>
+          <a:noFill/>
           <a:ln>
             <a:noFill/>
           </a:ln>
@@ -7098,144 +7398,181 @@
           <a:bodyPr rtlCol="0" anchor="ctr"/>
           <a:lstStyle/>
           <a:p>
-            <a:pPr algn="ctr"/>
             <a:r>
-              <a:rPr lang="en-US" sz="2800" b="1" i="0" dirty="0">
+              <a:rPr lang="en-US" b="1" i="0" dirty="0">
+                <a:solidFill>
+                  <a:schemeClr val="accent4">
+                    <a:lumMod val="50000"/>
+                  </a:schemeClr>
+                </a:solidFill>
                 <a:effectLst/>
                 <a:latin typeface="+mj-lt"/>
               </a:rPr>
-              <a:t>Offer Flexibility in Work Structures</a:t>
+              <a:t>Foster a Culture of Trust and Open Communication</a:t>
             </a:r>
-            <a:endParaRPr lang="ko-KR" altLang="en-US" sz="2700" dirty="0">
-              <a:latin typeface="+mj-lt"/>
-            </a:endParaRPr>
           </a:p>
         </p:txBody>
       </p:sp>
-      <p:sp>
-        <p:nvSpPr>
-          <p:cNvPr id="9" name="Parallelogram 8">
+      <p:pic>
+        <p:nvPicPr>
+          <p:cNvPr id="5" name="Graphic 4" descr="Bullseye">
             <a:extLst>
               <a:ext uri="{FF2B5EF4-FFF2-40B4-BE49-F238E27FC236}">
-                <a16:creationId xmlns:a16="http://schemas.microsoft.com/office/drawing/2014/main" id="{2546FBC1-C0AB-8D26-7BA2-85CBEC3EB6FB}"/>
+                <a16:creationId xmlns:a16="http://schemas.microsoft.com/office/drawing/2014/main" id="{A585B4AE-72A0-3AF9-C595-80C82C8889EF}"/>
               </a:ext>
             </a:extLst>
           </p:cNvPr>
-          <p:cNvSpPr/>
+          <p:cNvPicPr>
+            <a:picLocks noChangeAspect="1"/>
+          </p:cNvPicPr>
           <p:nvPr/>
-        </p:nvSpPr>
-        <p:spPr>
-          <a:xfrm rot="8690186">
-            <a:off x="18299" y="5007121"/>
-            <a:ext cx="1794009" cy="632014"/>
-          </a:xfrm>
-          <a:prstGeom prst="parallelogram">
-            <a:avLst>
-              <a:gd name="adj" fmla="val 67445"/>
-            </a:avLst>
-          </a:prstGeom>
-          <a:solidFill>
-            <a:schemeClr val="accent5">
-              <a:lumMod val="75000"/>
-            </a:schemeClr>
-          </a:solidFill>
-          <a:ln w="38100">
-            <a:solidFill>
-              <a:schemeClr val="bg1"/>
-            </a:solidFill>
-          </a:ln>
-        </p:spPr>
-        <p:style>
-          <a:lnRef idx="2">
-            <a:schemeClr val="accent1">
-              <a:shade val="50000"/>
-            </a:schemeClr>
-          </a:lnRef>
-          <a:fillRef idx="1">
-            <a:schemeClr val="accent1"/>
-          </a:fillRef>
-          <a:effectRef idx="0">
-            <a:schemeClr val="accent1"/>
-          </a:effectRef>
-          <a:fontRef idx="minor">
-            <a:schemeClr val="lt1"/>
-          </a:fontRef>
-        </p:style>
-        <p:txBody>
-          <a:bodyPr rot="0" spcFirstLastPara="0" vertOverflow="overflow" horzOverflow="overflow" vert="horz" wrap="square" lIns="91440" tIns="45720" rIns="91440" bIns="45720" numCol="1" spcCol="0" rtlCol="0" fromWordArt="0" anchor="ctr" anchorCtr="0" forceAA="0" compatLnSpc="1">
-            <a:prstTxWarp prst="textNoShape">
-              <a:avLst/>
-            </a:prstTxWarp>
-            <a:noAutofit/>
-          </a:bodyPr>
-          <a:lstStyle/>
-          <a:p>
-            <a:pPr algn="ctr"/>
-            <a:endParaRPr lang="ko-KR" altLang="en-US" sz="2700" dirty="0"/>
-          </a:p>
-        </p:txBody>
-      </p:sp>
-      <p:sp>
-        <p:nvSpPr>
-          <p:cNvPr id="10" name="TextBox 9">
+        </p:nvPicPr>
+        <p:blipFill>
+          <a:blip r:embed="rId2">
             <a:extLst>
-              <a:ext uri="{FF2B5EF4-FFF2-40B4-BE49-F238E27FC236}">
-                <a16:creationId xmlns:a16="http://schemas.microsoft.com/office/drawing/2014/main" id="{CC8FC277-6333-860F-BD5F-82BE617C0B2B}"/>
+              <a:ext uri="{28A0092B-C50C-407E-A947-70E740481C1C}">
+                <a14:useLocalDpi xmlns:a14="http://schemas.microsoft.com/office/drawing/2010/main" val="0"/>
+              </a:ext>
+              <a:ext uri="{96DAC541-7B7A-43D3-8B79-37D633B846F1}">
+                <asvg:svgBlip xmlns:asvg="http://schemas.microsoft.com/office/drawing/2016/SVG/main" r:embed="rId3"/>
               </a:ext>
             </a:extLst>
-          </p:cNvPr>
-          <p:cNvSpPr txBox="1"/>
-          <p:nvPr/>
-        </p:nvSpPr>
+          </a:blip>
+          <a:stretch>
+            <a:fillRect/>
+          </a:stretch>
+        </p:blipFill>
         <p:spPr>
-          <a:xfrm rot="19588409">
-            <a:off x="354829" y="5029864"/>
-            <a:ext cx="960339" cy="584775"/>
+          <a:xfrm>
+            <a:off x="10056030" y="4324135"/>
+            <a:ext cx="1005840" cy="1005840"/>
           </a:xfrm>
           <a:prstGeom prst="rect">
             <a:avLst/>
           </a:prstGeom>
-          <a:noFill/>
         </p:spPr>
-        <p:txBody>
-          <a:bodyPr wrap="square" rtlCol="0">
-            <a:spAutoFit/>
-          </a:bodyPr>
-          <a:lstStyle/>
-          <a:p>
-            <a:pPr algn="ctr"/>
-            <a:r>
-              <a:rPr lang="en-US" altLang="ko-KR" sz="3200" b="1" dirty="0">
-                <a:ln w="12700">
-                  <a:solidFill>
-                    <a:schemeClr val="bg1"/>
-                  </a:solidFill>
-                </a:ln>
-                <a:solidFill>
-                  <a:schemeClr val="bg1"/>
-                </a:solidFill>
-                <a:cs typeface="Arial" pitchFamily="34" charset="0"/>
-              </a:rPr>
-              <a:t>04</a:t>
-            </a:r>
-            <a:endParaRPr lang="ko-KR" altLang="en-US" sz="3200" b="1" dirty="0">
-              <a:ln w="12700">
-                <a:solidFill>
-                  <a:schemeClr val="bg1"/>
-                </a:solidFill>
-              </a:ln>
-              <a:solidFill>
-                <a:schemeClr val="bg1"/>
-              </a:solidFill>
-              <a:cs typeface="Arial" pitchFamily="34" charset="0"/>
-            </a:endParaRPr>
-          </a:p>
-        </p:txBody>
-      </p:sp>
+      </p:pic>
+      <p:pic>
+        <p:nvPicPr>
+          <p:cNvPr id="15" name="Graphic 14" descr="Connections">
+            <a:extLst>
+              <a:ext uri="{FF2B5EF4-FFF2-40B4-BE49-F238E27FC236}">
+                <a16:creationId xmlns:a16="http://schemas.microsoft.com/office/drawing/2014/main" id="{4896BDE6-ACD5-795E-4F79-C86AB52AF868}"/>
+              </a:ext>
+            </a:extLst>
+          </p:cNvPr>
+          <p:cNvPicPr>
+            <a:picLocks noChangeAspect="1"/>
+          </p:cNvPicPr>
+          <p:nvPr/>
+        </p:nvPicPr>
+        <p:blipFill>
+          <a:blip r:embed="rId4">
+            <a:extLst>
+              <a:ext uri="{28A0092B-C50C-407E-A947-70E740481C1C}">
+                <a14:useLocalDpi xmlns:a14="http://schemas.microsoft.com/office/drawing/2010/main" val="0"/>
+              </a:ext>
+              <a:ext uri="{96DAC541-7B7A-43D3-8B79-37D633B846F1}">
+                <asvg:svgBlip xmlns:asvg="http://schemas.microsoft.com/office/drawing/2016/SVG/main" r:embed="rId5"/>
+              </a:ext>
+            </a:extLst>
+          </a:blip>
+          <a:stretch>
+            <a:fillRect/>
+          </a:stretch>
+        </p:blipFill>
+        <p:spPr>
+          <a:xfrm>
+            <a:off x="1130130" y="3333582"/>
+            <a:ext cx="1005840" cy="1005840"/>
+          </a:xfrm>
+          <a:prstGeom prst="rect">
+            <a:avLst/>
+          </a:prstGeom>
+        </p:spPr>
+      </p:pic>
+      <p:pic>
+        <p:nvPicPr>
+          <p:cNvPr id="19" name="Graphic 18" descr="Handshake">
+            <a:extLst>
+              <a:ext uri="{FF2B5EF4-FFF2-40B4-BE49-F238E27FC236}">
+                <a16:creationId xmlns:a16="http://schemas.microsoft.com/office/drawing/2014/main" id="{D631FC4B-6DCF-0DB0-C3E8-50CEDCDCD922}"/>
+              </a:ext>
+            </a:extLst>
+          </p:cNvPr>
+          <p:cNvPicPr>
+            <a:picLocks noChangeAspect="1"/>
+          </p:cNvPicPr>
+          <p:nvPr/>
+        </p:nvPicPr>
+        <p:blipFill>
+          <a:blip r:embed="rId6">
+            <a:extLst>
+              <a:ext uri="{28A0092B-C50C-407E-A947-70E740481C1C}">
+                <a14:useLocalDpi xmlns:a14="http://schemas.microsoft.com/office/drawing/2010/main" val="0"/>
+              </a:ext>
+              <a:ext uri="{96DAC541-7B7A-43D3-8B79-37D633B846F1}">
+                <asvg:svgBlip xmlns:asvg="http://schemas.microsoft.com/office/drawing/2016/SVG/main" r:embed="rId7"/>
+              </a:ext>
+            </a:extLst>
+          </a:blip>
+          <a:stretch>
+            <a:fillRect/>
+          </a:stretch>
+        </p:blipFill>
+        <p:spPr>
+          <a:xfrm>
+            <a:off x="1175850" y="1614294"/>
+            <a:ext cx="914400" cy="914400"/>
+          </a:xfrm>
+          <a:prstGeom prst="rect">
+            <a:avLst/>
+          </a:prstGeom>
+        </p:spPr>
+      </p:pic>
+      <p:pic>
+        <p:nvPicPr>
+          <p:cNvPr id="9" name="Graphic 8" descr="Hierarchy">
+            <a:extLst>
+              <a:ext uri="{FF2B5EF4-FFF2-40B4-BE49-F238E27FC236}">
+                <a16:creationId xmlns:a16="http://schemas.microsoft.com/office/drawing/2014/main" id="{4F9DB133-A628-E49E-F7F1-6F38FED051B2}"/>
+              </a:ext>
+            </a:extLst>
+          </p:cNvPr>
+          <p:cNvPicPr>
+            <a:picLocks noChangeAspect="1"/>
+          </p:cNvPicPr>
+          <p:nvPr/>
+        </p:nvPicPr>
+        <p:blipFill>
+          <a:blip r:embed="rId8">
+            <a:extLst>
+              <a:ext uri="{28A0092B-C50C-407E-A947-70E740481C1C}">
+                <a14:useLocalDpi xmlns:a14="http://schemas.microsoft.com/office/drawing/2010/main" val="0"/>
+              </a:ext>
+              <a:ext uri="{96DAC541-7B7A-43D3-8B79-37D633B846F1}">
+                <asvg:svgBlip xmlns:asvg="http://schemas.microsoft.com/office/drawing/2016/SVG/main" r:embed="rId9"/>
+              </a:ext>
+            </a:extLst>
+          </a:blip>
+          <a:stretch>
+            <a:fillRect/>
+          </a:stretch>
+        </p:blipFill>
+        <p:spPr>
+          <a:xfrm>
+            <a:off x="10101750" y="2350130"/>
+            <a:ext cx="914400" cy="914400"/>
+          </a:xfrm>
+          <a:prstGeom prst="rect">
+            <a:avLst/>
+          </a:prstGeom>
+        </p:spPr>
+      </p:pic>
     </p:spTree>
     <p:extLst>
       <p:ext uri="{BB962C8B-B14F-4D97-AF65-F5344CB8AC3E}">
-        <p14:creationId xmlns:p14="http://schemas.microsoft.com/office/powerpoint/2010/main" val="94552923"/>
+        <p14:creationId xmlns:p14="http://schemas.microsoft.com/office/powerpoint/2010/main" val="2747623305"/>
       </p:ext>
     </p:extLst>
   </p:cSld>
@@ -7306,7 +7643,7 @@
           <a:p>
             <a:pPr algn="ctr"/>
             <a:r>
-              <a:rPr lang="en-US" altLang="ko-KR" sz="5867" dirty="0">
+              <a:rPr lang="en-US" altLang="ko-KR" sz="5867" b="1" dirty="0">
                 <a:solidFill>
                   <a:schemeClr val="bg1"/>
                 </a:solidFill>
@@ -7314,7 +7651,7 @@
               </a:rPr>
               <a:t>Thank You</a:t>
             </a:r>
-            <a:endParaRPr lang="ko-KR" altLang="en-US" sz="5867" dirty="0">
+            <a:endParaRPr lang="ko-KR" altLang="en-US" sz="5867" b="1" dirty="0">
               <a:solidFill>
                 <a:schemeClr val="bg1"/>
               </a:solidFill>
@@ -9231,18 +9568,20 @@
           <a:lstStyle/>
           <a:p>
             <a:r>
-              <a:rPr lang="en-US" altLang="ko-KR" sz="4800" dirty="0">
+              <a:rPr lang="en-US" altLang="ko-KR" sz="4800" b="1" dirty="0">
                 <a:solidFill>
                   <a:schemeClr val="bg1"/>
                 </a:solidFill>
+                <a:latin typeface="+mj-lt"/>
                 <a:cs typeface="Arial" pitchFamily="34" charset="0"/>
               </a:rPr>
               <a:t>INTRODUCTION</a:t>
             </a:r>
-            <a:endParaRPr lang="ko-KR" altLang="en-US" sz="4800" dirty="0">
+            <a:endParaRPr lang="ko-KR" altLang="en-US" sz="4800" b="1" dirty="0">
               <a:solidFill>
                 <a:schemeClr val="bg1"/>
               </a:solidFill>
+              <a:latin typeface="+mj-lt"/>
               <a:cs typeface="Arial" pitchFamily="34" charset="0"/>
             </a:endParaRPr>
           </a:p>
@@ -9308,8 +9647,8 @@
         </p:nvGrpSpPr>
         <p:grpSpPr>
           <a:xfrm>
-            <a:off x="3187878" y="2687888"/>
-            <a:ext cx="1539374" cy="1482224"/>
+            <a:off x="268941" y="951734"/>
+            <a:ext cx="4867130" cy="4688542"/>
             <a:chOff x="3507038" y="2754563"/>
             <a:chExt cx="1539374" cy="1482224"/>
           </a:xfrm>
@@ -10246,7 +10585,7 @@
             <a:r>
               <a:rPr lang="en-US" altLang="ko-KR" sz="5400" b="1" dirty="0">
                 <a:solidFill>
-                  <a:schemeClr val="bg1"/>
+                  <a:srgbClr val="C00000"/>
                 </a:solidFill>
                 <a:cs typeface="Arial" pitchFamily="34" charset="0"/>
               </a:rPr>
@@ -10254,50 +10593,10 @@
             </a:r>
             <a:endParaRPr lang="ko-KR" altLang="en-US" sz="5400" b="1" dirty="0">
               <a:solidFill>
-                <a:schemeClr val="bg1"/>
+                <a:srgbClr val="C00000"/>
               </a:solidFill>
               <a:cs typeface="Arial" pitchFamily="34" charset="0"/>
             </a:endParaRPr>
-          </a:p>
-        </p:txBody>
-      </p:sp>
-      <p:sp>
-        <p:nvSpPr>
-          <p:cNvPr id="3" name="TextBox 2">
-            <a:extLst>
-              <a:ext uri="{FF2B5EF4-FFF2-40B4-BE49-F238E27FC236}">
-                <a16:creationId xmlns:a16="http://schemas.microsoft.com/office/drawing/2014/main" id="{EE7394B8-D000-46B0-9445-98439961DF22}"/>
-              </a:ext>
-            </a:extLst>
-          </p:cNvPr>
-          <p:cNvSpPr txBox="1"/>
-          <p:nvPr/>
-        </p:nvSpPr>
-        <p:spPr>
-          <a:xfrm>
-            <a:off x="617584" y="1327895"/>
-            <a:ext cx="9376969" cy="461665"/>
-          </a:xfrm>
-          <a:prstGeom prst="rect">
-            <a:avLst/>
-          </a:prstGeom>
-          <a:noFill/>
-        </p:spPr>
-        <p:txBody>
-          <a:bodyPr wrap="square" rtlCol="0">
-            <a:spAutoFit/>
-          </a:bodyPr>
-          <a:lstStyle/>
-          <a:p>
-            <a:r>
-              <a:rPr lang="en-US" altLang="ko-KR" sz="1200" dirty="0">
-                <a:solidFill>
-                  <a:schemeClr val="bg1"/>
-                </a:solidFill>
-                <a:cs typeface="Arial" pitchFamily="34" charset="0"/>
-              </a:rPr>
-              <a:t>Autonomy is more than a workplace buzzword; it is a fundamental element that empowers individuals, fosters a positive work culture, and contributes to organizational success.</a:t>
-            </a:r>
           </a:p>
         </p:txBody>
       </p:sp>
@@ -10555,478 +10854,346 @@
           </p:txBody>
         </p:sp>
       </p:grpSp>
-      <p:grpSp>
-        <p:nvGrpSpPr>
-          <p:cNvPr id="21" name="그룹 2">
+      <p:sp>
+        <p:nvSpPr>
+          <p:cNvPr id="22" name="TextBox 21">
             <a:extLst>
               <a:ext uri="{FF2B5EF4-FFF2-40B4-BE49-F238E27FC236}">
-                <a16:creationId xmlns:a16="http://schemas.microsoft.com/office/drawing/2014/main" id="{52439656-A17D-465A-B2AB-E21D3D113A21}"/>
+                <a16:creationId xmlns:a16="http://schemas.microsoft.com/office/drawing/2014/main" id="{F40E8916-3C93-49EF-B655-827777ED684E}"/>
               </a:ext>
             </a:extLst>
           </p:cNvPr>
-          <p:cNvGrpSpPr/>
+          <p:cNvSpPr txBox="1"/>
           <p:nvPr/>
-        </p:nvGrpSpPr>
-        <p:grpSpPr>
+        </p:nvSpPr>
+        <p:spPr>
           <a:xfrm>
-            <a:off x="5685991" y="2135792"/>
-            <a:ext cx="3579934" cy="1553109"/>
-            <a:chOff x="2153463" y="1817885"/>
-            <a:chExt cx="7911017" cy="1553109"/>
+            <a:off x="2877976" y="2886886"/>
+            <a:ext cx="4517032" cy="369332"/>
           </a:xfrm>
-        </p:grpSpPr>
-        <p:sp>
-          <p:nvSpPr>
-            <p:cNvPr id="22" name="TextBox 21">
-              <a:extLst>
-                <a:ext uri="{FF2B5EF4-FFF2-40B4-BE49-F238E27FC236}">
-                  <a16:creationId xmlns:a16="http://schemas.microsoft.com/office/drawing/2014/main" id="{F40E8916-3C93-49EF-B655-827777ED684E}"/>
-                </a:ext>
-              </a:extLst>
-            </p:cNvPr>
-            <p:cNvSpPr txBox="1"/>
-            <p:nvPr/>
-          </p:nvSpPr>
-          <p:spPr>
-            <a:xfrm>
-              <a:off x="2153463" y="1817885"/>
-              <a:ext cx="7911017" cy="307777"/>
-            </a:xfrm>
-            <a:prstGeom prst="rect">
-              <a:avLst/>
-            </a:prstGeom>
-            <a:noFill/>
-          </p:spPr>
-          <p:txBody>
-            <a:bodyPr wrap="square" rtlCol="0">
-              <a:spAutoFit/>
-            </a:bodyPr>
-            <a:lstStyle/>
-            <a:p>
-              <a:r>
-                <a:rPr lang="en-US" altLang="ko-KR" sz="1400" b="1" dirty="0">
-                  <a:solidFill>
-                    <a:schemeClr val="bg1"/>
-                  </a:solidFill>
-                  <a:cs typeface="Arial" pitchFamily="34" charset="0"/>
-                </a:rPr>
-                <a:t>Contributing to Organizational Success</a:t>
-              </a:r>
-              <a:endParaRPr lang="ko-KR" altLang="en-US" sz="1400" b="1" dirty="0">
+          <a:prstGeom prst="rect">
+            <a:avLst/>
+          </a:prstGeom>
+          <a:noFill/>
+        </p:spPr>
+        <p:txBody>
+          <a:bodyPr wrap="square" rtlCol="0">
+            <a:spAutoFit/>
+          </a:bodyPr>
+          <a:lstStyle/>
+          <a:p>
+            <a:r>
+              <a:rPr lang="en-US" altLang="ko-KR" b="1" dirty="0">
                 <a:solidFill>
-                  <a:schemeClr val="bg1"/>
+                  <a:srgbClr val="FFC000"/>
                 </a:solidFill>
                 <a:cs typeface="Arial" pitchFamily="34" charset="0"/>
-              </a:endParaRPr>
-            </a:p>
-          </p:txBody>
-        </p:sp>
-        <p:sp>
-          <p:nvSpPr>
-            <p:cNvPr id="23" name="TextBox 22">
-              <a:extLst>
-                <a:ext uri="{FF2B5EF4-FFF2-40B4-BE49-F238E27FC236}">
-                  <a16:creationId xmlns:a16="http://schemas.microsoft.com/office/drawing/2014/main" id="{536C40F9-CE16-43CC-A89C-D1F0869DA348}"/>
-                </a:ext>
-              </a:extLst>
-            </p:cNvPr>
-            <p:cNvSpPr txBox="1"/>
-            <p:nvPr/>
-          </p:nvSpPr>
-          <p:spPr>
-            <a:xfrm>
-              <a:off x="2153463" y="2170665"/>
-              <a:ext cx="7911017" cy="1200329"/>
-            </a:xfrm>
-            <a:prstGeom prst="rect">
-              <a:avLst/>
-            </a:prstGeom>
-            <a:noFill/>
-          </p:spPr>
-          <p:txBody>
-            <a:bodyPr wrap="square" rtlCol="0">
-              <a:spAutoFit/>
-            </a:bodyPr>
-            <a:lstStyle/>
-            <a:p>
-              <a:r>
-                <a:rPr lang="en-US" altLang="ko-KR" sz="1200" dirty="0">
-                  <a:solidFill>
-                    <a:schemeClr val="bg1"/>
-                  </a:solidFill>
-                  <a:cs typeface="Arial" pitchFamily="34" charset="0"/>
-                </a:rPr>
-                <a:t>- Organizations that embrace autonomy often experience increased productivity and efficiency.</a:t>
-              </a:r>
-            </a:p>
-            <a:p>
-              <a:r>
-                <a:rPr lang="en-US" altLang="ko-KR" sz="1200" dirty="0">
-                  <a:solidFill>
-                    <a:schemeClr val="bg1"/>
-                  </a:solidFill>
-                  <a:cs typeface="Arial" pitchFamily="34" charset="0"/>
-                </a:rPr>
-                <a:t>- Empowered individuals are more likely to take ownership of their roles, leading to higher levels of commitment and dedication to achieving shared goals.</a:t>
-              </a:r>
-            </a:p>
-          </p:txBody>
-        </p:sp>
-      </p:grpSp>
-      <p:grpSp>
-        <p:nvGrpSpPr>
-          <p:cNvPr id="24" name="그룹 2">
+              </a:rPr>
+              <a:t>Contributing to Organizational Success</a:t>
+            </a:r>
+            <a:endParaRPr lang="ko-KR" altLang="en-US" b="1" dirty="0">
+              <a:solidFill>
+                <a:srgbClr val="FFC000"/>
+              </a:solidFill>
+              <a:cs typeface="Arial" pitchFamily="34" charset="0"/>
+            </a:endParaRPr>
+          </a:p>
+        </p:txBody>
+      </p:sp>
+      <p:sp>
+        <p:nvSpPr>
+          <p:cNvPr id="25" name="TextBox 24">
             <a:extLst>
               <a:ext uri="{FF2B5EF4-FFF2-40B4-BE49-F238E27FC236}">
-                <a16:creationId xmlns:a16="http://schemas.microsoft.com/office/drawing/2014/main" id="{05FD003C-2108-4410-A4C3-ECE50459B569}"/>
+                <a16:creationId xmlns:a16="http://schemas.microsoft.com/office/drawing/2014/main" id="{1DE2832D-39EB-46F2-B863-C58D8FB073E3}"/>
               </a:ext>
             </a:extLst>
           </p:cNvPr>
-          <p:cNvGrpSpPr/>
+          <p:cNvSpPr txBox="1"/>
           <p:nvPr/>
-        </p:nvGrpSpPr>
-        <p:grpSpPr>
+        </p:nvSpPr>
+        <p:spPr>
           <a:xfrm>
-            <a:off x="1234699" y="2130193"/>
-            <a:ext cx="3579934" cy="1394284"/>
-            <a:chOff x="2153463" y="1916832"/>
-            <a:chExt cx="7911017" cy="1394284"/>
+            <a:off x="2474218" y="1963981"/>
+            <a:ext cx="3926581" cy="369332"/>
           </a:xfrm>
-        </p:grpSpPr>
-        <p:sp>
-          <p:nvSpPr>
-            <p:cNvPr id="25" name="TextBox 24">
-              <a:extLst>
-                <a:ext uri="{FF2B5EF4-FFF2-40B4-BE49-F238E27FC236}">
-                  <a16:creationId xmlns:a16="http://schemas.microsoft.com/office/drawing/2014/main" id="{1DE2832D-39EB-46F2-B863-C58D8FB073E3}"/>
-                </a:ext>
-              </a:extLst>
-            </p:cNvPr>
-            <p:cNvSpPr txBox="1"/>
-            <p:nvPr/>
-          </p:nvSpPr>
-          <p:spPr>
-            <a:xfrm>
-              <a:off x="2153463" y="1916832"/>
-              <a:ext cx="7911017" cy="307777"/>
-            </a:xfrm>
-            <a:prstGeom prst="rect">
-              <a:avLst/>
-            </a:prstGeom>
-            <a:noFill/>
-          </p:spPr>
-          <p:txBody>
-            <a:bodyPr wrap="square" rtlCol="0">
-              <a:spAutoFit/>
-            </a:bodyPr>
-            <a:lstStyle/>
-            <a:p>
-              <a:r>
-                <a:rPr lang="en-US" altLang="ko-KR" sz="1400" b="1" dirty="0">
-                  <a:solidFill>
-                    <a:schemeClr val="bg1"/>
-                  </a:solidFill>
-                  <a:cs typeface="Arial" pitchFamily="34" charset="0"/>
-                </a:rPr>
-                <a:t>Fostering a Positive Work Culture</a:t>
-              </a:r>
-              <a:endParaRPr lang="ko-KR" altLang="en-US" sz="1400" b="1" dirty="0">
+          <a:prstGeom prst="rect">
+            <a:avLst/>
+          </a:prstGeom>
+          <a:noFill/>
+        </p:spPr>
+        <p:txBody>
+          <a:bodyPr wrap="square" rtlCol="0">
+            <a:spAutoFit/>
+          </a:bodyPr>
+          <a:lstStyle/>
+          <a:p>
+            <a:r>
+              <a:rPr lang="en-US" altLang="ko-KR" b="1" dirty="0">
                 <a:solidFill>
-                  <a:schemeClr val="bg1"/>
+                  <a:srgbClr val="FFC000"/>
                 </a:solidFill>
                 <a:cs typeface="Arial" pitchFamily="34" charset="0"/>
-              </a:endParaRPr>
-            </a:p>
-          </p:txBody>
-        </p:sp>
-        <p:sp>
-          <p:nvSpPr>
-            <p:cNvPr id="26" name="TextBox 25">
-              <a:extLst>
-                <a:ext uri="{FF2B5EF4-FFF2-40B4-BE49-F238E27FC236}">
-                  <a16:creationId xmlns:a16="http://schemas.microsoft.com/office/drawing/2014/main" id="{2A0D2FDD-DECC-4729-B5FA-EFA6053D82D0}"/>
-                </a:ext>
-              </a:extLst>
-            </p:cNvPr>
-            <p:cNvSpPr txBox="1"/>
-            <p:nvPr/>
-          </p:nvSpPr>
-          <p:spPr>
-            <a:xfrm>
-              <a:off x="2153463" y="2295453"/>
-              <a:ext cx="7911017" cy="1015663"/>
-            </a:xfrm>
-            <a:prstGeom prst="rect">
-              <a:avLst/>
-            </a:prstGeom>
-            <a:noFill/>
-          </p:spPr>
-          <p:txBody>
-            <a:bodyPr wrap="square" rtlCol="0">
-              <a:spAutoFit/>
-            </a:bodyPr>
-            <a:lstStyle/>
-            <a:p>
-              <a:r>
-                <a:rPr lang="en-US" altLang="ko-KR" sz="1200" dirty="0">
-                  <a:solidFill>
-                    <a:schemeClr val="bg1"/>
-                  </a:solidFill>
-                  <a:cs typeface="Arial" pitchFamily="34" charset="0"/>
-                </a:rPr>
-                <a:t>- Autonomy cultivates an environment where employees feel trusted and valued.</a:t>
-              </a:r>
-            </a:p>
-            <a:p>
-              <a:r>
-                <a:rPr lang="en-US" altLang="ko-KR" sz="1200" dirty="0">
-                  <a:solidFill>
-                    <a:schemeClr val="bg1"/>
-                  </a:solidFill>
-                  <a:cs typeface="Arial" pitchFamily="34" charset="0"/>
-                </a:rPr>
-                <a:t>- Teams thrive when they are given the freedom to explore and implement their ideas, leading to a more positive and collaborative workplace.</a:t>
-              </a:r>
-            </a:p>
-          </p:txBody>
-        </p:sp>
-      </p:grpSp>
-      <p:grpSp>
-        <p:nvGrpSpPr>
-          <p:cNvPr id="4" name="그룹 2">
+              </a:rPr>
+              <a:t>Fostering a Positive Work Culture</a:t>
+            </a:r>
+            <a:endParaRPr lang="ko-KR" altLang="en-US" b="1" dirty="0">
+              <a:solidFill>
+                <a:srgbClr val="FFC000"/>
+              </a:solidFill>
+              <a:cs typeface="Arial" pitchFamily="34" charset="0"/>
+            </a:endParaRPr>
+          </a:p>
+        </p:txBody>
+      </p:sp>
+      <p:sp>
+        <p:nvSpPr>
+          <p:cNvPr id="6" name="TextBox 5">
             <a:extLst>
               <a:ext uri="{FF2B5EF4-FFF2-40B4-BE49-F238E27FC236}">
-                <a16:creationId xmlns:a16="http://schemas.microsoft.com/office/drawing/2014/main" id="{A45F6B1B-9E9A-A903-779A-6621CEF14EDE}"/>
+                <a16:creationId xmlns:a16="http://schemas.microsoft.com/office/drawing/2014/main" id="{BA9FB35F-918B-14B6-5767-513749F555B5}"/>
               </a:ext>
             </a:extLst>
           </p:cNvPr>
-          <p:cNvGrpSpPr/>
+          <p:cNvSpPr txBox="1"/>
           <p:nvPr/>
-        </p:nvGrpSpPr>
-        <p:grpSpPr>
+        </p:nvSpPr>
+        <p:spPr>
           <a:xfrm>
-            <a:off x="1234698" y="4010100"/>
-            <a:ext cx="3777139" cy="1578950"/>
-            <a:chOff x="2153461" y="1916832"/>
-            <a:chExt cx="8346805" cy="1578950"/>
+            <a:off x="3621630" y="4749144"/>
+            <a:ext cx="4765858" cy="369332"/>
           </a:xfrm>
-        </p:grpSpPr>
-        <p:sp>
-          <p:nvSpPr>
-            <p:cNvPr id="6" name="TextBox 5">
-              <a:extLst>
-                <a:ext uri="{FF2B5EF4-FFF2-40B4-BE49-F238E27FC236}">
-                  <a16:creationId xmlns:a16="http://schemas.microsoft.com/office/drawing/2014/main" id="{BA9FB35F-918B-14B6-5767-513749F555B5}"/>
-                </a:ext>
-              </a:extLst>
-            </p:cNvPr>
-            <p:cNvSpPr txBox="1"/>
-            <p:nvPr/>
-          </p:nvSpPr>
-          <p:spPr>
-            <a:xfrm>
-              <a:off x="2153461" y="1916832"/>
-              <a:ext cx="8346805" cy="307777"/>
-            </a:xfrm>
-            <a:prstGeom prst="rect">
-              <a:avLst/>
-            </a:prstGeom>
-            <a:noFill/>
-          </p:spPr>
-          <p:txBody>
-            <a:bodyPr wrap="square" rtlCol="0">
-              <a:spAutoFit/>
-            </a:bodyPr>
-            <a:lstStyle/>
-            <a:p>
-              <a:r>
-                <a:rPr lang="en-US" altLang="ko-KR" sz="1400" b="1" dirty="0">
-                  <a:solidFill>
-                    <a:schemeClr val="bg1"/>
-                  </a:solidFill>
-                  <a:cs typeface="Arial" pitchFamily="34" charset="0"/>
-                </a:rPr>
-                <a:t>Encouraging Innovation and Adaptability</a:t>
-              </a:r>
-              <a:endParaRPr lang="ko-KR" altLang="en-US" sz="1400" b="1" dirty="0">
+          <a:prstGeom prst="rect">
+            <a:avLst/>
+          </a:prstGeom>
+          <a:noFill/>
+        </p:spPr>
+        <p:txBody>
+          <a:bodyPr wrap="square" rtlCol="0">
+            <a:spAutoFit/>
+          </a:bodyPr>
+          <a:lstStyle/>
+          <a:p>
+            <a:r>
+              <a:rPr lang="en-US" altLang="ko-KR" b="1" dirty="0">
                 <a:solidFill>
-                  <a:schemeClr val="bg1"/>
+                  <a:srgbClr val="FFC000"/>
                 </a:solidFill>
                 <a:cs typeface="Arial" pitchFamily="34" charset="0"/>
-              </a:endParaRPr>
-            </a:p>
-          </p:txBody>
-        </p:sp>
-        <p:sp>
-          <p:nvSpPr>
-            <p:cNvPr id="7" name="TextBox 6">
-              <a:extLst>
-                <a:ext uri="{FF2B5EF4-FFF2-40B4-BE49-F238E27FC236}">
-                  <a16:creationId xmlns:a16="http://schemas.microsoft.com/office/drawing/2014/main" id="{1251E2AA-6BAA-CC46-FBEA-625DE352223A}"/>
-                </a:ext>
-              </a:extLst>
-            </p:cNvPr>
-            <p:cNvSpPr txBox="1"/>
-            <p:nvPr/>
-          </p:nvSpPr>
-          <p:spPr>
-            <a:xfrm>
-              <a:off x="2153463" y="2295453"/>
-              <a:ext cx="7911017" cy="1200329"/>
-            </a:xfrm>
-            <a:prstGeom prst="rect">
-              <a:avLst/>
-            </a:prstGeom>
-            <a:noFill/>
-          </p:spPr>
-          <p:txBody>
-            <a:bodyPr wrap="square" rtlCol="0">
-              <a:spAutoFit/>
-            </a:bodyPr>
-            <a:lstStyle/>
-            <a:p>
-              <a:r>
-                <a:rPr lang="en-US" altLang="ko-KR" sz="1200" dirty="0">
-                  <a:solidFill>
-                    <a:schemeClr val="bg1"/>
-                  </a:solidFill>
-                  <a:cs typeface="Arial" pitchFamily="34" charset="0"/>
-                </a:rPr>
-                <a:t>- Autonomy encourages a mindset of innovation and adaptability.</a:t>
-              </a:r>
-            </a:p>
-            <a:p>
-              <a:r>
-                <a:rPr lang="en-US" altLang="ko-KR" sz="1200" dirty="0">
-                  <a:solidFill>
-                    <a:schemeClr val="bg1"/>
-                  </a:solidFill>
-                  <a:cs typeface="Arial" pitchFamily="34" charset="0"/>
-                </a:rPr>
-                <a:t>- When individuals have the freedom to experiment and take calculated risks, it sparks creativity and helps organizations stay agile in rapidly changing environments.</a:t>
-              </a:r>
-            </a:p>
-          </p:txBody>
-        </p:sp>
-      </p:grpSp>
-      <p:grpSp>
-        <p:nvGrpSpPr>
-          <p:cNvPr id="8" name="그룹 2">
+              </a:rPr>
+              <a:t>Encouraging Innovation and Adaptability</a:t>
+            </a:r>
+            <a:endParaRPr lang="ko-KR" altLang="en-US" b="1" dirty="0">
+              <a:solidFill>
+                <a:srgbClr val="FFC000"/>
+              </a:solidFill>
+              <a:cs typeface="Arial" pitchFamily="34" charset="0"/>
+            </a:endParaRPr>
+          </a:p>
+        </p:txBody>
+      </p:sp>
+      <p:sp>
+        <p:nvSpPr>
+          <p:cNvPr id="9" name="TextBox 8">
             <a:extLst>
               <a:ext uri="{FF2B5EF4-FFF2-40B4-BE49-F238E27FC236}">
-                <a16:creationId xmlns:a16="http://schemas.microsoft.com/office/drawing/2014/main" id="{71F28B41-7D12-7721-0952-D00120AF678E}"/>
+                <a16:creationId xmlns:a16="http://schemas.microsoft.com/office/drawing/2014/main" id="{BF65A640-BF8A-0291-4C99-5AF3B079F7AB}"/>
               </a:ext>
             </a:extLst>
           </p:cNvPr>
-          <p:cNvGrpSpPr/>
+          <p:cNvSpPr txBox="1"/>
           <p:nvPr/>
-        </p:nvGrpSpPr>
-        <p:grpSpPr>
+        </p:nvSpPr>
+        <p:spPr>
           <a:xfrm>
-            <a:off x="5741671" y="4010100"/>
-            <a:ext cx="3579934" cy="1553109"/>
-            <a:chOff x="2153463" y="1817885"/>
-            <a:chExt cx="7911017" cy="1553109"/>
+            <a:off x="3291765" y="3822463"/>
+            <a:ext cx="4517032" cy="369332"/>
           </a:xfrm>
-        </p:grpSpPr>
-        <p:sp>
-          <p:nvSpPr>
-            <p:cNvPr id="9" name="TextBox 8">
-              <a:extLst>
-                <a:ext uri="{FF2B5EF4-FFF2-40B4-BE49-F238E27FC236}">
-                  <a16:creationId xmlns:a16="http://schemas.microsoft.com/office/drawing/2014/main" id="{BF65A640-BF8A-0291-4C99-5AF3B079F7AB}"/>
-                </a:ext>
-              </a:extLst>
-            </p:cNvPr>
-            <p:cNvSpPr txBox="1"/>
-            <p:nvPr/>
-          </p:nvSpPr>
-          <p:spPr>
-            <a:xfrm>
-              <a:off x="2153463" y="1817885"/>
-              <a:ext cx="7911017" cy="307777"/>
-            </a:xfrm>
-            <a:prstGeom prst="rect">
-              <a:avLst/>
-            </a:prstGeom>
-            <a:noFill/>
-          </p:spPr>
-          <p:txBody>
-            <a:bodyPr wrap="square" rtlCol="0">
-              <a:spAutoFit/>
-            </a:bodyPr>
-            <a:lstStyle/>
-            <a:p>
-              <a:r>
-                <a:rPr lang="en-US" altLang="ko-KR" sz="1400" b="1" dirty="0">
-                  <a:solidFill>
-                    <a:schemeClr val="bg1"/>
-                  </a:solidFill>
-                  <a:cs typeface="Arial" pitchFamily="34" charset="0"/>
-                </a:rPr>
-                <a:t>Building Employee Engagement</a:t>
-              </a:r>
-              <a:endParaRPr lang="ko-KR" altLang="en-US" sz="1400" b="1" dirty="0">
+          <a:prstGeom prst="rect">
+            <a:avLst/>
+          </a:prstGeom>
+          <a:noFill/>
+        </p:spPr>
+        <p:txBody>
+          <a:bodyPr wrap="square" rtlCol="0">
+            <a:spAutoFit/>
+          </a:bodyPr>
+          <a:lstStyle/>
+          <a:p>
+            <a:r>
+              <a:rPr lang="en-US" altLang="ko-KR" b="1" dirty="0">
                 <a:solidFill>
-                  <a:schemeClr val="bg1"/>
+                  <a:srgbClr val="FFC000"/>
                 </a:solidFill>
                 <a:cs typeface="Arial" pitchFamily="34" charset="0"/>
-              </a:endParaRPr>
-            </a:p>
-          </p:txBody>
-        </p:sp>
-        <p:sp>
-          <p:nvSpPr>
-            <p:cNvPr id="10" name="TextBox 9">
-              <a:extLst>
-                <a:ext uri="{FF2B5EF4-FFF2-40B4-BE49-F238E27FC236}">
-                  <a16:creationId xmlns:a16="http://schemas.microsoft.com/office/drawing/2014/main" id="{273A5267-DAC9-18E1-A16E-312E70DE7F94}"/>
-                </a:ext>
-              </a:extLst>
-            </p:cNvPr>
-            <p:cNvSpPr txBox="1"/>
-            <p:nvPr/>
-          </p:nvSpPr>
-          <p:spPr>
-            <a:xfrm>
-              <a:off x="2153463" y="2170665"/>
-              <a:ext cx="7911017" cy="1200329"/>
-            </a:xfrm>
-            <a:prstGeom prst="rect">
-              <a:avLst/>
-            </a:prstGeom>
-            <a:noFill/>
-          </p:spPr>
-          <p:txBody>
-            <a:bodyPr wrap="square" rtlCol="0">
-              <a:spAutoFit/>
-            </a:bodyPr>
-            <a:lstStyle/>
-            <a:p>
-              <a:r>
-                <a:rPr lang="en-US" altLang="ko-KR" sz="1200" dirty="0">
-                  <a:solidFill>
-                    <a:schemeClr val="bg1"/>
-                  </a:solidFill>
-                  <a:cs typeface="Arial" pitchFamily="34" charset="0"/>
-                </a:rPr>
-                <a:t>- Autonomy plays a crucial role in building and sustaining employee engagement.</a:t>
-              </a:r>
-            </a:p>
-            <a:p>
-              <a:r>
-                <a:rPr lang="en-US" altLang="ko-KR" sz="1200" dirty="0">
-                  <a:solidFill>
-                    <a:schemeClr val="bg1"/>
-                  </a:solidFill>
-                  <a:cs typeface="Arial" pitchFamily="34" charset="0"/>
-                </a:rPr>
-                <a:t>- When individuals have the authority to make decisions that impact their work, they are more invested in their tasks, leading to increased satisfaction and dedication.</a:t>
-              </a:r>
-            </a:p>
-          </p:txBody>
-        </p:sp>
-      </p:grpSp>
+              </a:rPr>
+              <a:t>Building Employee Engagement</a:t>
+            </a:r>
+            <a:endParaRPr lang="ko-KR" altLang="en-US" b="1" dirty="0">
+              <a:solidFill>
+                <a:srgbClr val="FFC000"/>
+              </a:solidFill>
+              <a:cs typeface="Arial" pitchFamily="34" charset="0"/>
+            </a:endParaRPr>
+          </a:p>
+        </p:txBody>
+      </p:sp>
+      <p:pic>
+        <p:nvPicPr>
+          <p:cNvPr id="14" name="Graphic 13" descr="World">
+            <a:extLst>
+              <a:ext uri="{FF2B5EF4-FFF2-40B4-BE49-F238E27FC236}">
+                <a16:creationId xmlns:a16="http://schemas.microsoft.com/office/drawing/2014/main" id="{D967733B-6217-CF7A-EFA0-86B84366BDAD}"/>
+              </a:ext>
+            </a:extLst>
+          </p:cNvPr>
+          <p:cNvPicPr>
+            <a:picLocks noChangeAspect="1"/>
+          </p:cNvPicPr>
+          <p:nvPr/>
+        </p:nvPicPr>
+        <p:blipFill>
+          <a:blip r:embed="rId3">
+            <a:extLst>
+              <a:ext uri="{28A0092B-C50C-407E-A947-70E740481C1C}">
+                <a14:useLocalDpi xmlns:a14="http://schemas.microsoft.com/office/drawing/2010/main" val="0"/>
+              </a:ext>
+              <a:ext uri="{96DAC541-7B7A-43D3-8B79-37D633B846F1}">
+                <asvg:svgBlip xmlns:asvg="http://schemas.microsoft.com/office/drawing/2016/SVG/main" r:embed="rId4"/>
+              </a:ext>
+            </a:extLst>
+          </a:blip>
+          <a:stretch>
+            <a:fillRect/>
+          </a:stretch>
+        </p:blipFill>
+        <p:spPr>
+          <a:xfrm>
+            <a:off x="1234698" y="1691447"/>
+            <a:ext cx="914400" cy="914400"/>
+          </a:xfrm>
+          <a:prstGeom prst="rect">
+            <a:avLst/>
+          </a:prstGeom>
+        </p:spPr>
+      </p:pic>
+      <p:pic>
+        <p:nvPicPr>
+          <p:cNvPr id="28" name="Graphic 27" descr="Group success">
+            <a:extLst>
+              <a:ext uri="{FF2B5EF4-FFF2-40B4-BE49-F238E27FC236}">
+                <a16:creationId xmlns:a16="http://schemas.microsoft.com/office/drawing/2014/main" id="{51A643B5-CA9D-2BD2-06CD-9FE5702F263D}"/>
+              </a:ext>
+            </a:extLst>
+          </p:cNvPr>
+          <p:cNvPicPr>
+            <a:picLocks noChangeAspect="1"/>
+          </p:cNvPicPr>
+          <p:nvPr/>
+        </p:nvPicPr>
+        <p:blipFill>
+          <a:blip r:embed="rId5">
+            <a:extLst>
+              <a:ext uri="{28A0092B-C50C-407E-A947-70E740481C1C}">
+                <a14:useLocalDpi xmlns:a14="http://schemas.microsoft.com/office/drawing/2010/main" val="0"/>
+              </a:ext>
+              <a:ext uri="{96DAC541-7B7A-43D3-8B79-37D633B846F1}">
+                <asvg:svgBlip xmlns:asvg="http://schemas.microsoft.com/office/drawing/2016/SVG/main" r:embed="rId6"/>
+              </a:ext>
+            </a:extLst>
+          </a:blip>
+          <a:stretch>
+            <a:fillRect/>
+          </a:stretch>
+        </p:blipFill>
+        <p:spPr>
+          <a:xfrm>
+            <a:off x="1606763" y="2652719"/>
+            <a:ext cx="914400" cy="914400"/>
+          </a:xfrm>
+          <a:prstGeom prst="rect">
+            <a:avLst/>
+          </a:prstGeom>
+        </p:spPr>
+      </p:pic>
+      <p:pic>
+        <p:nvPicPr>
+          <p:cNvPr id="30" name="Graphic 29" descr="Target">
+            <a:extLst>
+              <a:ext uri="{FF2B5EF4-FFF2-40B4-BE49-F238E27FC236}">
+                <a16:creationId xmlns:a16="http://schemas.microsoft.com/office/drawing/2014/main" id="{2BFEA676-61E6-C466-BC2D-09BA764EBF70}"/>
+              </a:ext>
+            </a:extLst>
+          </p:cNvPr>
+          <p:cNvPicPr>
+            <a:picLocks noChangeAspect="1"/>
+          </p:cNvPicPr>
+          <p:nvPr/>
+        </p:nvPicPr>
+        <p:blipFill>
+          <a:blip r:embed="rId7">
+            <a:extLst>
+              <a:ext uri="{28A0092B-C50C-407E-A947-70E740481C1C}">
+                <a14:useLocalDpi xmlns:a14="http://schemas.microsoft.com/office/drawing/2010/main" val="0"/>
+              </a:ext>
+              <a:ext uri="{96DAC541-7B7A-43D3-8B79-37D633B846F1}">
+                <asvg:svgBlip xmlns:asvg="http://schemas.microsoft.com/office/drawing/2016/SVG/main" r:embed="rId8"/>
+              </a:ext>
+            </a:extLst>
+          </a:blip>
+          <a:stretch>
+            <a:fillRect/>
+          </a:stretch>
+        </p:blipFill>
+        <p:spPr>
+          <a:xfrm>
+            <a:off x="2168895" y="3614851"/>
+            <a:ext cx="914400" cy="914400"/>
+          </a:xfrm>
+          <a:prstGeom prst="rect">
+            <a:avLst/>
+          </a:prstGeom>
+        </p:spPr>
+      </p:pic>
+      <p:pic>
+        <p:nvPicPr>
+          <p:cNvPr id="32" name="Graphic 31" descr="Upward trend">
+            <a:extLst>
+              <a:ext uri="{FF2B5EF4-FFF2-40B4-BE49-F238E27FC236}">
+                <a16:creationId xmlns:a16="http://schemas.microsoft.com/office/drawing/2014/main" id="{164B703C-4D67-D4E2-630C-C5F1A27ED33C}"/>
+              </a:ext>
+            </a:extLst>
+          </p:cNvPr>
+          <p:cNvPicPr>
+            <a:picLocks noChangeAspect="1"/>
+          </p:cNvPicPr>
+          <p:nvPr/>
+        </p:nvPicPr>
+        <p:blipFill>
+          <a:blip r:embed="rId9">
+            <a:extLst>
+              <a:ext uri="{28A0092B-C50C-407E-A947-70E740481C1C}">
+                <a14:useLocalDpi xmlns:a14="http://schemas.microsoft.com/office/drawing/2010/main" val="0"/>
+              </a:ext>
+              <a:ext uri="{96DAC541-7B7A-43D3-8B79-37D633B846F1}">
+                <asvg:svgBlip xmlns:asvg="http://schemas.microsoft.com/office/drawing/2016/SVG/main" r:embed="rId10"/>
+              </a:ext>
+            </a:extLst>
+          </a:blip>
+          <a:stretch>
+            <a:fillRect/>
+          </a:stretch>
+        </p:blipFill>
+        <p:spPr>
+          <a:xfrm>
+            <a:off x="2656574" y="4566725"/>
+            <a:ext cx="914400" cy="914400"/>
+          </a:xfrm>
+          <a:prstGeom prst="rect">
+            <a:avLst/>
+          </a:prstGeom>
+        </p:spPr>
+      </p:pic>
     </p:spTree>
     <p:extLst>
       <p:ext uri="{BB962C8B-B14F-4D97-AF65-F5344CB8AC3E}">
@@ -11071,8 +11238,8 @@
         </p:nvGrpSpPr>
         <p:grpSpPr>
           <a:xfrm rot="16200000">
-            <a:off x="4832151" y="309597"/>
-            <a:ext cx="1809827" cy="5594807"/>
+            <a:off x="4964608" y="297479"/>
+            <a:ext cx="1524592" cy="5120312"/>
             <a:chOff x="5295824" y="914400"/>
             <a:chExt cx="1809827" cy="5594807"/>
           </a:xfrm>
@@ -11229,21 +11396,9 @@
               <a:schemeClr val="accent2"/>
             </a:solidFill>
             <a:ln w="6350">
-              <a:gradFill>
-                <a:gsLst>
-                  <a:gs pos="0">
-                    <a:schemeClr val="bg1"/>
-                  </a:gs>
-                  <a:gs pos="100000">
-                    <a:schemeClr val="accent1">
-                      <a:tint val="23500"/>
-                      <a:satMod val="160000"/>
-                      <a:alpha val="0"/>
-                    </a:schemeClr>
-                  </a:gs>
-                </a:gsLst>
-                <a:lin ang="15600000" scaled="0"/>
-              </a:gradFill>
+              <a:solidFill>
+                <a:schemeClr val="bg1"/>
+              </a:solidFill>
             </a:ln>
           </p:spPr>
           <p:style>
@@ -11618,24 +11773,14 @@
               </a:pathLst>
             </a:custGeom>
             <a:solidFill>
-              <a:schemeClr val="accent3"/>
+              <a:schemeClr val="accent1">
+                <a:lumMod val="75000"/>
+              </a:schemeClr>
             </a:solidFill>
             <a:ln w="6350">
-              <a:gradFill>
-                <a:gsLst>
-                  <a:gs pos="0">
-                    <a:schemeClr val="bg1"/>
-                  </a:gs>
-                  <a:gs pos="100000">
-                    <a:schemeClr val="accent1">
-                      <a:tint val="23500"/>
-                      <a:satMod val="160000"/>
-                      <a:alpha val="0"/>
-                    </a:schemeClr>
-                  </a:gs>
-                </a:gsLst>
-                <a:lin ang="15600000" scaled="0"/>
-              </a:gradFill>
+              <a:solidFill>
+                <a:schemeClr val="bg1"/>
+              </a:solidFill>
             </a:ln>
           </p:spPr>
           <p:style>
@@ -11659,13 +11804,15 @@
             <a:lstStyle/>
             <a:p>
               <a:pPr algn="ctr"/>
-              <a:endParaRPr lang="ko-KR" altLang="en-US" sz="2800">
+              <a:endParaRPr lang="ko-KR" altLang="en-US" sz="2800" dirty="0">
                 <a:solidFill>
-                  <a:schemeClr val="tx1">
-                    <a:lumMod val="65000"/>
-                    <a:lumOff val="35000"/>
+                  <a:schemeClr val="accent1">
+                    <a:lumMod val="75000"/>
                   </a:schemeClr>
                 </a:solidFill>
+                <a:highlight>
+                  <a:srgbClr val="00FF00"/>
+                </a:highlight>
               </a:endParaRPr>
             </a:p>
           </p:txBody>
@@ -11822,21 +11969,9 @@
               <a:schemeClr val="accent2"/>
             </a:solidFill>
             <a:ln w="6350">
-              <a:gradFill>
-                <a:gsLst>
-                  <a:gs pos="0">
-                    <a:schemeClr val="bg1"/>
-                  </a:gs>
-                  <a:gs pos="100000">
-                    <a:schemeClr val="accent1">
-                      <a:tint val="23500"/>
-                      <a:satMod val="160000"/>
-                      <a:alpha val="0"/>
-                    </a:schemeClr>
-                  </a:gs>
-                </a:gsLst>
-                <a:lin ang="15600000" scaled="0"/>
-              </a:gradFill>
+              <a:solidFill>
+                <a:schemeClr val="bg1"/>
+              </a:solidFill>
             </a:ln>
           </p:spPr>
           <p:style>
@@ -12211,24 +12346,14 @@
               </a:pathLst>
             </a:custGeom>
             <a:solidFill>
-              <a:schemeClr val="accent3"/>
+              <a:schemeClr val="accent1">
+                <a:lumMod val="75000"/>
+              </a:schemeClr>
             </a:solidFill>
             <a:ln w="6350">
-              <a:gradFill>
-                <a:gsLst>
-                  <a:gs pos="0">
-                    <a:schemeClr val="bg1"/>
-                  </a:gs>
-                  <a:gs pos="100000">
-                    <a:schemeClr val="accent1">
-                      <a:tint val="23500"/>
-                      <a:satMod val="160000"/>
-                      <a:alpha val="0"/>
-                    </a:schemeClr>
-                  </a:gs>
-                </a:gsLst>
-                <a:lin ang="15600000" scaled="0"/>
-              </a:gradFill>
+              <a:solidFill>
+                <a:schemeClr val="bg1"/>
+              </a:solidFill>
             </a:ln>
           </p:spPr>
           <p:style>
@@ -12380,24 +12505,14 @@
               </a:pathLst>
             </a:custGeom>
             <a:solidFill>
-              <a:schemeClr val="accent1"/>
+              <a:schemeClr val="accent1">
+                <a:lumMod val="75000"/>
+              </a:schemeClr>
             </a:solidFill>
             <a:ln w="6350">
-              <a:gradFill>
-                <a:gsLst>
-                  <a:gs pos="0">
-                    <a:schemeClr val="bg1"/>
-                  </a:gs>
-                  <a:gs pos="100000">
-                    <a:schemeClr val="accent1">
-                      <a:tint val="23500"/>
-                      <a:satMod val="160000"/>
-                      <a:alpha val="0"/>
-                    </a:schemeClr>
-                  </a:gs>
-                </a:gsLst>
-                <a:lin ang="15600000" scaled="0"/>
-              </a:gradFill>
+              <a:solidFill>
+                <a:schemeClr val="bg1"/>
+              </a:solidFill>
             </a:ln>
           </p:spPr>
           <p:style>
@@ -12435,400 +12550,6 @@
       </p:grpSp>
       <p:sp>
         <p:nvSpPr>
-          <p:cNvPr id="16" name="Rounded Rectangle 32">
-            <a:extLst>
-              <a:ext uri="{FF2B5EF4-FFF2-40B4-BE49-F238E27FC236}">
-                <a16:creationId xmlns:a16="http://schemas.microsoft.com/office/drawing/2014/main" id="{63B4184E-8848-47E4-946B-F93362C99914}"/>
-              </a:ext>
-            </a:extLst>
-          </p:cNvPr>
-          <p:cNvSpPr/>
-          <p:nvPr/>
-        </p:nvSpPr>
-        <p:spPr>
-          <a:xfrm>
-            <a:off x="6038208" y="1094242"/>
-            <a:ext cx="293553" cy="293553"/>
-          </a:xfrm>
-          <a:custGeom>
-            <a:avLst/>
-            <a:gdLst/>
-            <a:ahLst/>
-            <a:cxnLst/>
-            <a:rect l="l" t="t" r="r" b="b"/>
-            <a:pathLst>
-              <a:path w="3240000" h="3240000">
-                <a:moveTo>
-                  <a:pt x="2019696" y="2510955"/>
-                </a:moveTo>
-                <a:lnTo>
-                  <a:pt x="2019696" y="2797359"/>
-                </a:lnTo>
-                <a:lnTo>
-                  <a:pt x="2914589" y="2797359"/>
-                </a:lnTo>
-                <a:lnTo>
-                  <a:pt x="2914589" y="2510955"/>
-                </a:lnTo>
-                <a:close/>
-                <a:moveTo>
-                  <a:pt x="2019696" y="2081348"/>
-                </a:moveTo>
-                <a:lnTo>
-                  <a:pt x="2019696" y="2367752"/>
-                </a:lnTo>
-                <a:lnTo>
-                  <a:pt x="2914589" y="2367752"/>
-                </a:lnTo>
-                <a:lnTo>
-                  <a:pt x="2914589" y="2081348"/>
-                </a:lnTo>
-                <a:close/>
-                <a:moveTo>
-                  <a:pt x="580710" y="2021703"/>
-                </a:moveTo>
-                <a:lnTo>
-                  <a:pt x="378191" y="2224222"/>
-                </a:lnTo>
-                <a:lnTo>
-                  <a:pt x="593323" y="2439354"/>
-                </a:lnTo>
-                <a:lnTo>
-                  <a:pt x="378191" y="2654485"/>
-                </a:lnTo>
-                <a:lnTo>
-                  <a:pt x="580710" y="2857004"/>
-                </a:lnTo>
-                <a:lnTo>
-                  <a:pt x="795842" y="2641872"/>
-                </a:lnTo>
-                <a:lnTo>
-                  <a:pt x="1010973" y="2857004"/>
-                </a:lnTo>
-                <a:lnTo>
-                  <a:pt x="1213492" y="2654485"/>
-                </a:lnTo>
-                <a:lnTo>
-                  <a:pt x="998360" y="2439354"/>
-                </a:lnTo>
-                <a:lnTo>
-                  <a:pt x="1213492" y="2224222"/>
-                </a:lnTo>
-                <a:lnTo>
-                  <a:pt x="1010973" y="2021703"/>
-                </a:lnTo>
-                <a:lnTo>
-                  <a:pt x="795842" y="2236835"/>
-                </a:lnTo>
-                <a:close/>
-                <a:moveTo>
-                  <a:pt x="1656000" y="1656001"/>
-                </a:moveTo>
-                <a:lnTo>
-                  <a:pt x="3240000" y="1656001"/>
-                </a:lnTo>
-                <a:lnTo>
-                  <a:pt x="3240000" y="2699989"/>
-                </a:lnTo>
-                <a:cubicBezTo>
-                  <a:pt x="3240000" y="2998229"/>
-                  <a:pt x="2998229" y="3240000"/>
-                  <a:pt x="2699989" y="3240000"/>
-                </a:cubicBezTo>
-                <a:lnTo>
-                  <a:pt x="1656000" y="3240000"/>
-                </a:lnTo>
-                <a:close/>
-                <a:moveTo>
-                  <a:pt x="0" y="1656001"/>
-                </a:moveTo>
-                <a:lnTo>
-                  <a:pt x="1584000" y="1656001"/>
-                </a:lnTo>
-                <a:lnTo>
-                  <a:pt x="1584000" y="3240000"/>
-                </a:lnTo>
-                <a:lnTo>
-                  <a:pt x="540011" y="3240000"/>
-                </a:lnTo>
-                <a:cubicBezTo>
-                  <a:pt x="241771" y="3240000"/>
-                  <a:pt x="0" y="2998229"/>
-                  <a:pt x="0" y="2699989"/>
-                </a:cubicBezTo>
-                <a:close/>
-                <a:moveTo>
-                  <a:pt x="2467143" y="957859"/>
-                </a:moveTo>
-                <a:cubicBezTo>
-                  <a:pt x="2388055" y="957859"/>
-                  <a:pt x="2323941" y="1021973"/>
-                  <a:pt x="2323941" y="1101061"/>
-                </a:cubicBezTo>
-                <a:cubicBezTo>
-                  <a:pt x="2323941" y="1180149"/>
-                  <a:pt x="2388055" y="1244263"/>
-                  <a:pt x="2467143" y="1244263"/>
-                </a:cubicBezTo>
-                <a:cubicBezTo>
-                  <a:pt x="2546231" y="1244263"/>
-                  <a:pt x="2610345" y="1180149"/>
-                  <a:pt x="2610345" y="1101061"/>
-                </a:cubicBezTo>
-                <a:cubicBezTo>
-                  <a:pt x="2610345" y="1021973"/>
-                  <a:pt x="2546231" y="957859"/>
-                  <a:pt x="2467143" y="957859"/>
-                </a:cubicBezTo>
-                <a:close/>
-                <a:moveTo>
-                  <a:pt x="2019696" y="635775"/>
-                </a:moveTo>
-                <a:lnTo>
-                  <a:pt x="2019696" y="922180"/>
-                </a:lnTo>
-                <a:lnTo>
-                  <a:pt x="2914589" y="922180"/>
-                </a:lnTo>
-                <a:lnTo>
-                  <a:pt x="2914589" y="635775"/>
-                </a:lnTo>
-                <a:close/>
-                <a:moveTo>
-                  <a:pt x="652639" y="331531"/>
-                </a:moveTo>
-                <a:lnTo>
-                  <a:pt x="652639" y="635775"/>
-                </a:lnTo>
-                <a:lnTo>
-                  <a:pt x="348395" y="635775"/>
-                </a:lnTo>
-                <a:lnTo>
-                  <a:pt x="348395" y="922180"/>
-                </a:lnTo>
-                <a:lnTo>
-                  <a:pt x="652639" y="922180"/>
-                </a:lnTo>
-                <a:lnTo>
-                  <a:pt x="652639" y="1226424"/>
-                </a:lnTo>
-                <a:lnTo>
-                  <a:pt x="939044" y="1226424"/>
-                </a:lnTo>
-                <a:lnTo>
-                  <a:pt x="939044" y="922180"/>
-                </a:lnTo>
-                <a:lnTo>
-                  <a:pt x="1243288" y="922180"/>
-                </a:lnTo>
-                <a:lnTo>
-                  <a:pt x="1243288" y="635775"/>
-                </a:lnTo>
-                <a:lnTo>
-                  <a:pt x="939044" y="635775"/>
-                </a:lnTo>
-                <a:lnTo>
-                  <a:pt x="939044" y="331531"/>
-                </a:lnTo>
-                <a:close/>
-                <a:moveTo>
-                  <a:pt x="2467143" y="313692"/>
-                </a:moveTo>
-                <a:cubicBezTo>
-                  <a:pt x="2388055" y="313692"/>
-                  <a:pt x="2323941" y="377806"/>
-                  <a:pt x="2323941" y="456894"/>
-                </a:cubicBezTo>
-                <a:cubicBezTo>
-                  <a:pt x="2323941" y="535982"/>
-                  <a:pt x="2388055" y="600096"/>
-                  <a:pt x="2467143" y="600096"/>
-                </a:cubicBezTo>
-                <a:cubicBezTo>
-                  <a:pt x="2546231" y="600096"/>
-                  <a:pt x="2610345" y="535982"/>
-                  <a:pt x="2610345" y="456894"/>
-                </a:cubicBezTo>
-                <a:cubicBezTo>
-                  <a:pt x="2610345" y="377806"/>
-                  <a:pt x="2546231" y="313692"/>
-                  <a:pt x="2467143" y="313692"/>
-                </a:cubicBezTo>
-                <a:close/>
-                <a:moveTo>
-                  <a:pt x="540011" y="0"/>
-                </a:moveTo>
-                <a:lnTo>
-                  <a:pt x="2699989" y="0"/>
-                </a:lnTo>
-                <a:cubicBezTo>
-                  <a:pt x="2998229" y="0"/>
-                  <a:pt x="3240000" y="241771"/>
-                  <a:pt x="3240000" y="540011"/>
-                </a:cubicBezTo>
-                <a:lnTo>
-                  <a:pt x="3240000" y="1584001"/>
-                </a:lnTo>
-                <a:lnTo>
-                  <a:pt x="1656000" y="1584001"/>
-                </a:lnTo>
-                <a:lnTo>
-                  <a:pt x="1656000" y="1"/>
-                </a:lnTo>
-                <a:lnTo>
-                  <a:pt x="1584000" y="1"/>
-                </a:lnTo>
-                <a:lnTo>
-                  <a:pt x="1584000" y="1584001"/>
-                </a:lnTo>
-                <a:lnTo>
-                  <a:pt x="0" y="1584001"/>
-                </a:lnTo>
-                <a:lnTo>
-                  <a:pt x="0" y="540011"/>
-                </a:lnTo>
-                <a:cubicBezTo>
-                  <a:pt x="0" y="241771"/>
-                  <a:pt x="241771" y="0"/>
-                  <a:pt x="540011" y="0"/>
-                </a:cubicBezTo>
-                <a:close/>
-              </a:path>
-            </a:pathLst>
-          </a:custGeom>
-          <a:solidFill>
-            <a:schemeClr val="bg1"/>
-          </a:solidFill>
-          <a:ln>
-            <a:noFill/>
-          </a:ln>
-        </p:spPr>
-        <p:style>
-          <a:lnRef idx="2">
-            <a:schemeClr val="accent1">
-              <a:shade val="50000"/>
-            </a:schemeClr>
-          </a:lnRef>
-          <a:fillRef idx="1">
-            <a:schemeClr val="accent1"/>
-          </a:fillRef>
-          <a:effectRef idx="0">
-            <a:schemeClr val="accent1"/>
-          </a:effectRef>
-          <a:fontRef idx="minor">
-            <a:schemeClr val="lt1"/>
-          </a:fontRef>
-        </p:style>
-        <p:txBody>
-          <a:bodyPr rot="0" spcFirstLastPara="0" vert="horz" wrap="square" lIns="91440" tIns="45720" rIns="91440" bIns="45720" numCol="1" spcCol="0" rtlCol="0" fromWordArt="0" anchor="ctr" anchorCtr="0" forceAA="0" compatLnSpc="1">
-            <a:prstTxWarp prst="textNoShape">
-              <a:avLst/>
-            </a:prstTxWarp>
-            <a:noAutofit/>
-          </a:bodyPr>
-          <a:lstStyle>
-            <a:defPPr>
-              <a:defRPr lang="ko-KR"/>
-            </a:defPPr>
-            <a:lvl1pPr marL="0" algn="l" defTabSz="914400" rtl="0" eaLnBrk="1" latinLnBrk="1" hangingPunct="1">
-              <a:defRPr sz="1800" kern="1200">
-                <a:solidFill>
-                  <a:schemeClr val="lt1"/>
-                </a:solidFill>
-                <a:latin typeface="+mn-lt"/>
-                <a:ea typeface="+mn-ea"/>
-                <a:cs typeface="+mn-cs"/>
-              </a:defRPr>
-            </a:lvl1pPr>
-            <a:lvl2pPr marL="457200" algn="l" defTabSz="914400" rtl="0" eaLnBrk="1" latinLnBrk="1" hangingPunct="1">
-              <a:defRPr sz="1800" kern="1200">
-                <a:solidFill>
-                  <a:schemeClr val="lt1"/>
-                </a:solidFill>
-                <a:latin typeface="+mn-lt"/>
-                <a:ea typeface="+mn-ea"/>
-                <a:cs typeface="+mn-cs"/>
-              </a:defRPr>
-            </a:lvl2pPr>
-            <a:lvl3pPr marL="914400" algn="l" defTabSz="914400" rtl="0" eaLnBrk="1" latinLnBrk="1" hangingPunct="1">
-              <a:defRPr sz="1800" kern="1200">
-                <a:solidFill>
-                  <a:schemeClr val="lt1"/>
-                </a:solidFill>
-                <a:latin typeface="+mn-lt"/>
-                <a:ea typeface="+mn-ea"/>
-                <a:cs typeface="+mn-cs"/>
-              </a:defRPr>
-            </a:lvl3pPr>
-            <a:lvl4pPr marL="1371600" algn="l" defTabSz="914400" rtl="0" eaLnBrk="1" latinLnBrk="1" hangingPunct="1">
-              <a:defRPr sz="1800" kern="1200">
-                <a:solidFill>
-                  <a:schemeClr val="lt1"/>
-                </a:solidFill>
-                <a:latin typeface="+mn-lt"/>
-                <a:ea typeface="+mn-ea"/>
-                <a:cs typeface="+mn-cs"/>
-              </a:defRPr>
-            </a:lvl4pPr>
-            <a:lvl5pPr marL="1828800" algn="l" defTabSz="914400" rtl="0" eaLnBrk="1" latinLnBrk="1" hangingPunct="1">
-              <a:defRPr sz="1800" kern="1200">
-                <a:solidFill>
-                  <a:schemeClr val="lt1"/>
-                </a:solidFill>
-                <a:latin typeface="+mn-lt"/>
-                <a:ea typeface="+mn-ea"/>
-                <a:cs typeface="+mn-cs"/>
-              </a:defRPr>
-            </a:lvl5pPr>
-            <a:lvl6pPr marL="2286000" algn="l" defTabSz="914400" rtl="0" eaLnBrk="1" latinLnBrk="1" hangingPunct="1">
-              <a:defRPr sz="1800" kern="1200">
-                <a:solidFill>
-                  <a:schemeClr val="lt1"/>
-                </a:solidFill>
-                <a:latin typeface="+mn-lt"/>
-                <a:ea typeface="+mn-ea"/>
-                <a:cs typeface="+mn-cs"/>
-              </a:defRPr>
-            </a:lvl6pPr>
-            <a:lvl7pPr marL="2743200" algn="l" defTabSz="914400" rtl="0" eaLnBrk="1" latinLnBrk="1" hangingPunct="1">
-              <a:defRPr sz="1800" kern="1200">
-                <a:solidFill>
-                  <a:schemeClr val="lt1"/>
-                </a:solidFill>
-                <a:latin typeface="+mn-lt"/>
-                <a:ea typeface="+mn-ea"/>
-                <a:cs typeface="+mn-cs"/>
-              </a:defRPr>
-            </a:lvl7pPr>
-            <a:lvl8pPr marL="3200400" algn="l" defTabSz="914400" rtl="0" eaLnBrk="1" latinLnBrk="1" hangingPunct="1">
-              <a:defRPr sz="1800" kern="1200">
-                <a:solidFill>
-                  <a:schemeClr val="lt1"/>
-                </a:solidFill>
-                <a:latin typeface="+mn-lt"/>
-                <a:ea typeface="+mn-ea"/>
-                <a:cs typeface="+mn-cs"/>
-              </a:defRPr>
-            </a:lvl8pPr>
-            <a:lvl9pPr marL="3657600" algn="l" defTabSz="914400" rtl="0" eaLnBrk="1" latinLnBrk="1" hangingPunct="1">
-              <a:defRPr sz="1800" kern="1200">
-                <a:solidFill>
-                  <a:schemeClr val="lt1"/>
-                </a:solidFill>
-                <a:latin typeface="+mn-lt"/>
-                <a:ea typeface="+mn-ea"/>
-                <a:cs typeface="+mn-cs"/>
-              </a:defRPr>
-            </a:lvl9pPr>
-          </a:lstStyle>
-          <a:p>
-            <a:pPr algn="ctr"/>
-            <a:endParaRPr lang="ko-KR" altLang="en-US" dirty="0"/>
-          </a:p>
-        </p:txBody>
-      </p:sp>
-      <p:sp>
-        <p:nvSpPr>
           <p:cNvPr id="21" name="TextBox 20">
             <a:extLst>
               <a:ext uri="{FF2B5EF4-FFF2-40B4-BE49-F238E27FC236}">
@@ -12841,7 +12562,7 @@
         </p:nvSpPr>
         <p:spPr>
           <a:xfrm>
-            <a:off x="3024386" y="4163880"/>
+            <a:off x="3176786" y="3645720"/>
             <a:ext cx="960339" cy="830997"/>
           </a:xfrm>
           <a:prstGeom prst="rect">
@@ -12864,7 +12585,7 @@
                   </a:solidFill>
                 </a:ln>
                 <a:solidFill>
-                  <a:schemeClr val="accent3"/>
+                  <a:schemeClr val="accent1"/>
                 </a:solidFill>
                 <a:cs typeface="Arial" pitchFamily="34" charset="0"/>
               </a:rPr>
@@ -12877,7 +12598,7 @@
                 </a:solidFill>
               </a:ln>
               <a:solidFill>
-                <a:schemeClr val="accent3"/>
+                <a:schemeClr val="accent1"/>
               </a:solidFill>
               <a:cs typeface="Arial" pitchFamily="34" charset="0"/>
             </a:endParaRPr>
@@ -12955,7 +12676,7 @@
         </p:nvSpPr>
         <p:spPr>
           <a:xfrm>
-            <a:off x="7574129" y="4163879"/>
+            <a:off x="7320129" y="3686359"/>
             <a:ext cx="960339" cy="830997"/>
           </a:xfrm>
           <a:prstGeom prst="rect">
@@ -12978,7 +12699,7 @@
                   </a:solidFill>
                 </a:ln>
                 <a:solidFill>
-                  <a:srgbClr val="595959"/>
+                  <a:srgbClr val="92D050"/>
                 </a:solidFill>
                 <a:cs typeface="Arial" pitchFamily="34" charset="0"/>
               </a:rPr>
@@ -12991,7 +12712,7 @@
                 </a:solidFill>
               </a:ln>
               <a:solidFill>
-                <a:srgbClr val="595959"/>
+                <a:srgbClr val="92D050"/>
               </a:solidFill>
               <a:cs typeface="Arial" pitchFamily="34" charset="0"/>
             </a:endParaRPr>
@@ -13012,7 +12733,7 @@
         </p:nvGrpSpPr>
         <p:grpSpPr>
           <a:xfrm>
-            <a:off x="6096000" y="1094242"/>
+            <a:off x="6330965" y="1093679"/>
             <a:ext cx="3361942" cy="920864"/>
             <a:chOff x="803640" y="3362835"/>
             <a:chExt cx="2059657" cy="920864"/>
@@ -13049,10 +12770,7 @@
               <a:r>
                 <a:rPr lang="en-US" altLang="ko-KR" sz="1200" dirty="0">
                   <a:solidFill>
-                    <a:schemeClr val="tx1">
-                      <a:lumMod val="75000"/>
-                      <a:lumOff val="25000"/>
-                    </a:schemeClr>
+                    <a:schemeClr val="bg1"/>
                   </a:solidFill>
                   <a:cs typeface="Arial" pitchFamily="34" charset="0"/>
                 </a:rPr>
@@ -13060,10 +12778,7 @@
               </a:r>
               <a:endParaRPr lang="ko-KR" altLang="en-US" sz="1200" dirty="0">
                 <a:solidFill>
-                  <a:schemeClr val="tx1">
-                    <a:lumMod val="75000"/>
-                    <a:lumOff val="25000"/>
-                  </a:schemeClr>
+                  <a:schemeClr val="bg1"/>
                 </a:solidFill>
                 <a:cs typeface="Arial" pitchFamily="34" charset="0"/>
               </a:endParaRPr>
@@ -13085,7 +12800,7 @@
           <p:spPr>
             <a:xfrm>
               <a:off x="803640" y="3362835"/>
-              <a:ext cx="2059657" cy="276999"/>
+              <a:ext cx="2059657" cy="307777"/>
             </a:xfrm>
             <a:prstGeom prst="rect">
               <a:avLst/>
@@ -13099,23 +12814,27 @@
             <a:lstStyle/>
             <a:p>
               <a:r>
-                <a:rPr lang="en-US" altLang="ko-KR" sz="1200" b="1" dirty="0">
+                <a:rPr lang="en-US" altLang="ko-KR" sz="1400" b="1" dirty="0">
+                  <a:ln>
+                    <a:solidFill>
+                      <a:schemeClr val="bg1"/>
+                    </a:solidFill>
+                  </a:ln>
                   <a:solidFill>
-                    <a:schemeClr val="tx1">
-                      <a:lumMod val="75000"/>
-                      <a:lumOff val="25000"/>
-                    </a:schemeClr>
+                    <a:schemeClr val="bg1"/>
                   </a:solidFill>
                   <a:cs typeface="Arial" pitchFamily="34" charset="0"/>
                 </a:rPr>
                 <a:t>Enhanced Creativity and Innovation</a:t>
               </a:r>
-              <a:endParaRPr lang="ko-KR" altLang="en-US" sz="1200" b="1" dirty="0">
+              <a:endParaRPr lang="ko-KR" altLang="en-US" sz="1400" b="1" dirty="0">
+                <a:ln>
+                  <a:solidFill>
+                    <a:schemeClr val="bg1"/>
+                  </a:solidFill>
+                </a:ln>
                 <a:solidFill>
-                  <a:schemeClr val="tx1">
-                    <a:lumMod val="75000"/>
-                    <a:lumOff val="25000"/>
-                  </a:schemeClr>
+                  <a:schemeClr val="bg1"/>
                 </a:solidFill>
                 <a:cs typeface="Arial" pitchFamily="34" charset="0"/>
               </a:endParaRPr>
@@ -13137,10 +12856,10 @@
         </p:nvGrpSpPr>
         <p:grpSpPr>
           <a:xfrm>
-            <a:off x="-185034" y="4150209"/>
-            <a:ext cx="3361942" cy="1105530"/>
+            <a:off x="-32634" y="3632049"/>
+            <a:ext cx="3361942" cy="1272704"/>
             <a:chOff x="803640" y="3362835"/>
-            <a:chExt cx="2059657" cy="1105530"/>
+            <a:chExt cx="2059657" cy="1272704"/>
           </a:xfrm>
         </p:grpSpPr>
         <p:sp>
@@ -13157,7 +12876,7 @@
           </p:nvSpPr>
           <p:spPr>
             <a:xfrm>
-              <a:off x="803640" y="3637368"/>
+              <a:off x="803640" y="3804542"/>
               <a:ext cx="2059657" cy="830997"/>
             </a:xfrm>
             <a:prstGeom prst="rect">
@@ -13175,10 +12894,7 @@
               <a:r>
                 <a:rPr lang="en-US" altLang="ko-KR" sz="1200" dirty="0">
                   <a:solidFill>
-                    <a:schemeClr val="tx1">
-                      <a:lumMod val="75000"/>
-                      <a:lumOff val="25000"/>
-                    </a:schemeClr>
+                    <a:schemeClr val="bg1"/>
                   </a:solidFill>
                   <a:cs typeface="Arial" pitchFamily="34" charset="0"/>
                 </a:rPr>
@@ -13186,10 +12902,7 @@
               </a:r>
               <a:endParaRPr lang="ko-KR" altLang="en-US" sz="1200" dirty="0">
                 <a:solidFill>
-                  <a:schemeClr val="tx1">
-                    <a:lumMod val="75000"/>
-                    <a:lumOff val="25000"/>
-                  </a:schemeClr>
+                  <a:schemeClr val="bg1"/>
                 </a:solidFill>
                 <a:cs typeface="Arial" pitchFamily="34" charset="0"/>
               </a:endParaRPr>
@@ -13210,8 +12923,8 @@
           </p:nvSpPr>
           <p:spPr>
             <a:xfrm>
-              <a:off x="803640" y="3362835"/>
-              <a:ext cx="2059657" cy="276999"/>
+              <a:off x="865371" y="3362835"/>
+              <a:ext cx="1997926" cy="523220"/>
             </a:xfrm>
             <a:prstGeom prst="rect">
               <a:avLst/>
@@ -13226,23 +12939,27 @@
             <a:p>
               <a:pPr algn="r"/>
               <a:r>
-                <a:rPr lang="en-US" altLang="ko-KR" sz="1200" b="1" dirty="0">
+                <a:rPr lang="en-US" altLang="ko-KR" sz="1400" b="1" dirty="0">
+                  <a:ln>
+                    <a:solidFill>
+                      <a:schemeClr val="bg1"/>
+                    </a:solidFill>
+                  </a:ln>
                   <a:solidFill>
-                    <a:schemeClr val="tx1">
-                      <a:lumMod val="75000"/>
-                      <a:lumOff val="25000"/>
-                    </a:schemeClr>
+                    <a:schemeClr val="bg1"/>
                   </a:solidFill>
                   <a:cs typeface="Arial" pitchFamily="34" charset="0"/>
                 </a:rPr>
                 <a:t>Increased Job Satisfaction and Morale</a:t>
               </a:r>
-              <a:endParaRPr lang="ko-KR" altLang="en-US" sz="1200" b="1" dirty="0">
+              <a:endParaRPr lang="ko-KR" altLang="en-US" sz="1400" b="1" dirty="0">
+                <a:ln>
+                  <a:solidFill>
+                    <a:schemeClr val="bg1"/>
+                  </a:solidFill>
+                </a:ln>
                 <a:solidFill>
-                  <a:schemeClr val="tx1">
-                    <a:lumMod val="75000"/>
-                    <a:lumOff val="25000"/>
-                  </a:schemeClr>
+                  <a:schemeClr val="bg1"/>
                 </a:solidFill>
                 <a:cs typeface="Arial" pitchFamily="34" charset="0"/>
               </a:endParaRPr>
@@ -13264,10 +12981,10 @@
         </p:nvGrpSpPr>
         <p:grpSpPr>
           <a:xfrm>
-            <a:off x="8345737" y="4150209"/>
-            <a:ext cx="3778135" cy="920864"/>
+            <a:off x="8091737" y="3672689"/>
+            <a:ext cx="3778135" cy="1154373"/>
             <a:chOff x="803640" y="3362835"/>
-            <a:chExt cx="2059657" cy="920864"/>
+            <a:chExt cx="2059657" cy="1154373"/>
           </a:xfrm>
         </p:grpSpPr>
         <p:sp>
@@ -13284,7 +13001,7 @@
           </p:nvSpPr>
           <p:spPr>
             <a:xfrm>
-              <a:off x="803640" y="3637368"/>
+              <a:off x="803640" y="3870877"/>
               <a:ext cx="2059657" cy="646331"/>
             </a:xfrm>
             <a:prstGeom prst="rect">
@@ -13302,10 +13019,7 @@
               <a:r>
                 <a:rPr lang="en-US" altLang="ko-KR" sz="1200" dirty="0">
                   <a:solidFill>
-                    <a:schemeClr val="tx1">
-                      <a:lumMod val="75000"/>
-                      <a:lumOff val="25000"/>
-                    </a:schemeClr>
+                    <a:schemeClr val="bg1"/>
                   </a:solidFill>
                   <a:cs typeface="Arial" pitchFamily="34" charset="0"/>
                 </a:rPr>
@@ -13313,10 +13027,7 @@
               </a:r>
               <a:endParaRPr lang="ko-KR" altLang="en-US" sz="1200" dirty="0">
                 <a:solidFill>
-                  <a:schemeClr val="tx1">
-                    <a:lumMod val="75000"/>
-                    <a:lumOff val="25000"/>
-                  </a:schemeClr>
+                  <a:schemeClr val="bg1"/>
                 </a:solidFill>
                 <a:cs typeface="Arial" pitchFamily="34" charset="0"/>
               </a:endParaRPr>
@@ -13338,7 +13049,7 @@
           <p:spPr>
             <a:xfrm>
               <a:off x="803640" y="3362835"/>
-              <a:ext cx="2059657" cy="276999"/>
+              <a:ext cx="2059657" cy="523220"/>
             </a:xfrm>
             <a:prstGeom prst="rect">
               <a:avLst/>
@@ -13353,23 +13064,27 @@
             <a:p>
               <a:pPr algn="ctr"/>
               <a:r>
-                <a:rPr lang="en-US" altLang="ko-KR" sz="1200" b="1" dirty="0">
+                <a:rPr lang="en-US" altLang="ko-KR" sz="1400" b="1" dirty="0">
+                  <a:ln>
+                    <a:solidFill>
+                      <a:schemeClr val="bg1"/>
+                    </a:solidFill>
+                  </a:ln>
                   <a:solidFill>
-                    <a:schemeClr val="tx1">
-                      <a:lumMod val="75000"/>
-                      <a:lumOff val="25000"/>
-                    </a:schemeClr>
+                    <a:schemeClr val="bg1"/>
                   </a:solidFill>
                   <a:cs typeface="Arial" pitchFamily="34" charset="0"/>
                 </a:rPr>
                 <a:t>Improved Problem-Solving and Decision-Making</a:t>
               </a:r>
-              <a:endParaRPr lang="ko-KR" altLang="en-US" sz="1200" b="1" dirty="0">
+              <a:endParaRPr lang="ko-KR" altLang="en-US" sz="1400" b="1" dirty="0">
+                <a:ln>
+                  <a:solidFill>
+                    <a:schemeClr val="bg1"/>
+                  </a:solidFill>
+                </a:ln>
                 <a:solidFill>
-                  <a:schemeClr val="tx1">
-                    <a:lumMod val="75000"/>
-                    <a:lumOff val="25000"/>
-                  </a:schemeClr>
+                  <a:schemeClr val="bg1"/>
                 </a:solidFill>
                 <a:cs typeface="Arial" pitchFamily="34" charset="0"/>
               </a:endParaRPr>
@@ -13575,12 +13290,11 @@
             <a:r>
               <a:rPr lang="en-US" sz="5400" dirty="0">
                 <a:solidFill>
-                  <a:schemeClr val="accent1"/>
+                  <a:srgbClr val="FF0000"/>
                 </a:solidFill>
               </a:rPr>
               <a:t>Benefits</a:t>
             </a:r>
-            <a:endParaRPr lang="en-US" sz="5400" dirty="0"/>
           </a:p>
         </p:txBody>
       </p:sp>
@@ -15037,7 +14751,11 @@
           <a:lstStyle/>
           <a:p>
             <a:r>
-              <a:rPr lang="en-US" dirty="0"/>
+              <a:rPr lang="en-US" dirty="0">
+                <a:solidFill>
+                  <a:srgbClr val="C00000"/>
+                </a:solidFill>
+              </a:rPr>
               <a:t>Creating a Culture of Autonomy</a:t>
             </a:r>
           </a:p>
@@ -15526,9 +15244,9 @@
           <p:nvPr/>
         </p:nvSpPr>
         <p:spPr>
-          <a:xfrm rot="13500000">
-            <a:off x="4162374" y="2599605"/>
-            <a:ext cx="116839" cy="1097280"/>
+          <a:xfrm rot="15148539">
+            <a:off x="3853676" y="2111073"/>
+            <a:ext cx="326225" cy="1431170"/>
           </a:xfrm>
           <a:prstGeom prst="triangle">
             <a:avLst/>
@@ -15579,8 +15297,8 @@
         </p:nvSpPr>
         <p:spPr>
           <a:xfrm rot="16200000">
-            <a:off x="4306815" y="3119496"/>
-            <a:ext cx="116839" cy="1371600"/>
+            <a:off x="4129900" y="3086085"/>
+            <a:ext cx="271069" cy="1462980"/>
           </a:xfrm>
           <a:prstGeom prst="triangle">
             <a:avLst/>
@@ -15630,9 +15348,9 @@
           <p:nvPr/>
         </p:nvSpPr>
         <p:spPr>
-          <a:xfrm rot="18600000">
-            <a:off x="4149281" y="3965864"/>
-            <a:ext cx="116839" cy="1097280"/>
+          <a:xfrm rot="17939398">
+            <a:off x="3888801" y="3886930"/>
+            <a:ext cx="255972" cy="1350433"/>
           </a:xfrm>
           <a:prstGeom prst="triangle">
             <a:avLst/>
@@ -15737,8 +15455,8 @@
         </p:nvGrpSpPr>
         <p:grpSpPr>
           <a:xfrm>
-            <a:off x="2294718" y="3063636"/>
-            <a:ext cx="1440000" cy="1454400"/>
+            <a:off x="408511" y="2313752"/>
+            <a:ext cx="3089012" cy="2866248"/>
             <a:chOff x="3860031" y="4628834"/>
             <a:chExt cx="1440000" cy="1454400"/>
           </a:xfrm>
@@ -15864,8 +15582,8 @@
         </p:nvSpPr>
         <p:spPr>
           <a:xfrm>
-            <a:off x="2379630" y="3577501"/>
-            <a:ext cx="1256061" cy="461665"/>
+            <a:off x="780464" y="3266495"/>
+            <a:ext cx="2345105" cy="769441"/>
           </a:xfrm>
           <a:prstGeom prst="rect">
             <a:avLst/>
@@ -15880,7 +15598,7 @@
           <a:p>
             <a:pPr algn="ctr"/>
             <a:r>
-              <a:rPr lang="en-US" altLang="ko-KR" sz="2400" b="1" dirty="0">
+              <a:rPr lang="en-US" altLang="ko-KR" sz="4400" b="1" dirty="0">
                 <a:solidFill>
                   <a:schemeClr val="bg1"/>
                 </a:solidFill>
@@ -15888,7 +15606,7 @@
               </a:rPr>
               <a:t>Culture</a:t>
             </a:r>
-            <a:endParaRPr lang="ko-KR" altLang="en-US" sz="2400" b="1" dirty="0">
+            <a:endParaRPr lang="ko-KR" altLang="en-US" sz="4400" b="1" dirty="0">
               <a:solidFill>
                 <a:schemeClr val="bg1"/>
               </a:solidFill>
@@ -17010,7 +16728,9 @@
               <a:r>
                 <a:rPr lang="en-US" altLang="ko-KR" sz="1200" dirty="0">
                   <a:solidFill>
-                    <a:schemeClr val="bg1"/>
+                    <a:schemeClr val="accent6">
+                      <a:lumMod val="75000"/>
+                    </a:schemeClr>
                   </a:solidFill>
                   <a:cs typeface="Arial" pitchFamily="34" charset="0"/>
                 </a:rPr>
@@ -17050,7 +16770,7 @@
               <a:r>
                 <a:rPr lang="en-US" altLang="ko-KR" sz="1400" b="1" dirty="0">
                   <a:solidFill>
-                    <a:schemeClr val="bg1"/>
+                    <a:srgbClr val="FFFF00"/>
                   </a:solidFill>
                   <a:cs typeface="Arial" pitchFamily="34" charset="0"/>
                 </a:rPr>
@@ -17058,7 +16778,7 @@
               </a:r>
               <a:endParaRPr lang="ko-KR" altLang="en-US" sz="1400" b="1" dirty="0">
                 <a:solidFill>
-                  <a:schemeClr val="bg1"/>
+                  <a:srgbClr val="FFFF00"/>
                 </a:solidFill>
                 <a:cs typeface="Arial" pitchFamily="34" charset="0"/>
               </a:endParaRPr>
@@ -17117,7 +16837,9 @@
               <a:r>
                 <a:rPr lang="en-US" altLang="ko-KR" sz="1200" dirty="0">
                   <a:solidFill>
-                    <a:schemeClr val="bg1"/>
+                    <a:schemeClr val="accent6">
+                      <a:lumMod val="75000"/>
+                    </a:schemeClr>
                   </a:solidFill>
                   <a:cs typeface="Arial" pitchFamily="34" charset="0"/>
                 </a:rPr>
@@ -17141,7 +16863,7 @@
           <p:spPr>
             <a:xfrm>
               <a:off x="2551708" y="4283314"/>
-              <a:ext cx="2076658" cy="523220"/>
+              <a:ext cx="2076658" cy="307777"/>
             </a:xfrm>
             <a:prstGeom prst="rect">
               <a:avLst/>
@@ -17157,7 +16879,7 @@
               <a:r>
                 <a:rPr lang="en-US" altLang="ko-KR" sz="1400" b="1" dirty="0">
                   <a:solidFill>
-                    <a:schemeClr val="bg1"/>
+                    <a:srgbClr val="FFFF00"/>
                   </a:solidFill>
                   <a:cs typeface="Arial" pitchFamily="34" charset="0"/>
                 </a:rPr>
@@ -17165,7 +16887,7 @@
               </a:r>
               <a:endParaRPr lang="ko-KR" altLang="en-US" sz="1400" b="1" dirty="0">
                 <a:solidFill>
-                  <a:schemeClr val="bg1"/>
+                  <a:srgbClr val="FFFF00"/>
                 </a:solidFill>
                 <a:cs typeface="Arial" pitchFamily="34" charset="0"/>
               </a:endParaRPr>
@@ -17224,7 +16946,9 @@
               <a:r>
                 <a:rPr lang="en-US" altLang="ko-KR" sz="1200" dirty="0">
                   <a:solidFill>
-                    <a:schemeClr val="bg1"/>
+                    <a:schemeClr val="accent6">
+                      <a:lumMod val="75000"/>
+                    </a:schemeClr>
                   </a:solidFill>
                   <a:cs typeface="Arial" pitchFamily="34" charset="0"/>
                 </a:rPr>
@@ -17248,7 +16972,7 @@
           <p:spPr>
             <a:xfrm>
               <a:off x="2551708" y="4283314"/>
-              <a:ext cx="2076658" cy="523220"/>
+              <a:ext cx="2076658" cy="307777"/>
             </a:xfrm>
             <a:prstGeom prst="rect">
               <a:avLst/>
@@ -17264,7 +16988,7 @@
               <a:r>
                 <a:rPr lang="en-US" altLang="ko-KR" sz="1400" b="1" dirty="0">
                   <a:solidFill>
-                    <a:schemeClr val="bg1"/>
+                    <a:srgbClr val="FFFF00"/>
                   </a:solidFill>
                   <a:cs typeface="Arial" pitchFamily="34" charset="0"/>
                 </a:rPr>
@@ -17272,7 +16996,7 @@
               </a:r>
               <a:endParaRPr lang="ko-KR" altLang="en-US" sz="1400" b="1" dirty="0">
                 <a:solidFill>
-                  <a:schemeClr val="bg1"/>
+                  <a:srgbClr val="FFFF00"/>
                 </a:solidFill>
                 <a:cs typeface="Arial" pitchFamily="34" charset="0"/>
               </a:endParaRPr>
@@ -18157,7 +17881,7 @@
         </p:nvSpPr>
         <p:spPr>
           <a:xfrm>
-            <a:off x="1589668" y="2966734"/>
+            <a:off x="1659207" y="3154998"/>
             <a:ext cx="3906011" cy="369332"/>
           </a:xfrm>
           <a:prstGeom prst="rect">
@@ -20165,52 +19889,6 @@
       </p:sp>
       <p:sp>
         <p:nvSpPr>
-          <p:cNvPr id="7" name="TextBox 6">
-            <a:extLst>
-              <a:ext uri="{FF2B5EF4-FFF2-40B4-BE49-F238E27FC236}">
-                <a16:creationId xmlns:a16="http://schemas.microsoft.com/office/drawing/2014/main" id="{80E7F9A7-B38B-3115-5319-FB1E32AD8478}"/>
-              </a:ext>
-            </a:extLst>
-          </p:cNvPr>
-          <p:cNvSpPr txBox="1"/>
-          <p:nvPr/>
-        </p:nvSpPr>
-        <p:spPr>
-          <a:xfrm>
-            <a:off x="6813550" y="3574644"/>
-            <a:ext cx="5200868" cy="523220"/>
-          </a:xfrm>
-          <a:prstGeom prst="rect">
-            <a:avLst/>
-          </a:prstGeom>
-          <a:noFill/>
-        </p:spPr>
-        <p:txBody>
-          <a:bodyPr wrap="square" rtlCol="0">
-            <a:spAutoFit/>
-          </a:bodyPr>
-          <a:lstStyle/>
-          <a:p>
-            <a:r>
-              <a:rPr lang="en-US" sz="1400" i="0" dirty="0">
-                <a:effectLst/>
-              </a:rPr>
-              <a:t>Clearly articulate the advantages of autonomy, addressing concerns, and offering support to ease the transition.</a:t>
-            </a:r>
-            <a:endParaRPr lang="ko-KR" altLang="en-US" sz="1400" dirty="0">
-              <a:solidFill>
-                <a:schemeClr val="tx1">
-                  <a:lumMod val="75000"/>
-                  <a:lumOff val="25000"/>
-                </a:schemeClr>
-              </a:solidFill>
-              <a:cs typeface="Arial" pitchFamily="34" charset="0"/>
-            </a:endParaRPr>
-          </a:p>
-        </p:txBody>
-      </p:sp>
-      <p:sp>
-        <p:nvSpPr>
           <p:cNvPr id="8" name="TextBox 7">
             <a:extLst>
               <a:ext uri="{FF2B5EF4-FFF2-40B4-BE49-F238E27FC236}">
@@ -20301,52 +19979,47 @@
           </a:p>
         </p:txBody>
       </p:sp>
-      <p:sp>
-        <p:nvSpPr>
-          <p:cNvPr id="10" name="TextBox 9">
+      <p:cxnSp>
+        <p:nvCxnSpPr>
+          <p:cNvPr id="4" name="Straight Connector 3">
             <a:extLst>
               <a:ext uri="{FF2B5EF4-FFF2-40B4-BE49-F238E27FC236}">
-                <a16:creationId xmlns:a16="http://schemas.microsoft.com/office/drawing/2014/main" id="{9358529A-A5CF-68CD-7CDC-02D4FFC77CF9}"/>
+                <a16:creationId xmlns:a16="http://schemas.microsoft.com/office/drawing/2014/main" id="{8602A160-6D6D-1DF7-1CF8-182AEDD6C140}"/>
               </a:ext>
             </a:extLst>
           </p:cNvPr>
-          <p:cNvSpPr txBox="1"/>
+          <p:cNvCxnSpPr/>
           <p:nvPr/>
-        </p:nvSpPr>
+        </p:nvCxnSpPr>
         <p:spPr>
           <a:xfrm>
-            <a:off x="6813550" y="5602604"/>
-            <a:ext cx="5200868" cy="523220"/>
+            <a:off x="5690959" y="2191424"/>
+            <a:ext cx="0" cy="3846543"/>
           </a:xfrm>
-          <a:prstGeom prst="rect">
+          <a:prstGeom prst="line">
             <a:avLst/>
           </a:prstGeom>
-          <a:noFill/>
+          <a:ln w="38100">
+            <a:solidFill>
+              <a:schemeClr val="accent1"/>
+            </a:solidFill>
+          </a:ln>
         </p:spPr>
-        <p:txBody>
-          <a:bodyPr wrap="square" rtlCol="0">
-            <a:spAutoFit/>
-          </a:bodyPr>
-          <a:lstStyle/>
-          <a:p>
-            <a:r>
-              <a:rPr lang="en-US" sz="1400" i="0" dirty="0">
-                <a:effectLst/>
-              </a:rPr>
-              <a:t>Define measurable outcomes and regularly check progress to maintain accountability without compromising autonomy.</a:t>
-            </a:r>
-            <a:endParaRPr lang="ko-KR" altLang="en-US" sz="1400" dirty="0">
-              <a:solidFill>
-                <a:schemeClr val="tx1">
-                  <a:lumMod val="75000"/>
-                  <a:lumOff val="25000"/>
-                </a:schemeClr>
-              </a:solidFill>
-              <a:cs typeface="Arial" pitchFamily="34" charset="0"/>
-            </a:endParaRPr>
-          </a:p>
-        </p:txBody>
-      </p:sp>
+        <p:style>
+          <a:lnRef idx="1">
+            <a:schemeClr val="accent1"/>
+          </a:lnRef>
+          <a:fillRef idx="0">
+            <a:schemeClr val="accent1"/>
+          </a:fillRef>
+          <a:effectRef idx="0">
+            <a:schemeClr val="accent1"/>
+          </a:effectRef>
+          <a:fontRef idx="minor">
+            <a:schemeClr val="tx1"/>
+          </a:fontRef>
+        </p:style>
+      </p:cxnSp>
     </p:spTree>
     <p:extLst>
       <p:ext uri="{BB962C8B-B14F-4D97-AF65-F5344CB8AC3E}">
@@ -20400,7 +20073,11 @@
           <a:lstStyle/>
           <a:p>
             <a:r>
-              <a:rPr lang="en-US" dirty="0"/>
+              <a:rPr lang="en-US" dirty="0">
+                <a:solidFill>
+                  <a:srgbClr val="C00000"/>
+                </a:solidFill>
+              </a:rPr>
               <a:t>Tips for Employees</a:t>
             </a:r>
           </a:p>
@@ -20420,15 +20097,13 @@
         </p:nvSpPr>
         <p:spPr>
           <a:xfrm>
-            <a:off x="1288601" y="2001977"/>
-            <a:ext cx="12010710" cy="767967"/>
+            <a:off x="5095402" y="2472302"/>
+            <a:ext cx="4829982" cy="670057"/>
           </a:xfrm>
           <a:prstGeom prst="rect">
             <a:avLst/>
           </a:prstGeom>
-          <a:solidFill>
-            <a:schemeClr val="accent1"/>
-          </a:solidFill>
+          <a:noFill/>
           <a:ln>
             <a:noFill/>
           </a:ln>
@@ -20453,15 +20128,21 @@
           <a:bodyPr rtlCol="0" anchor="ctr"/>
           <a:lstStyle/>
           <a:p>
-            <a:pPr algn="ctr"/>
+            <a:pPr algn="r"/>
             <a:r>
-              <a:rPr lang="en-US" sz="2800" b="1" i="0" dirty="0">
+              <a:rPr lang="en-US" b="1" i="0" dirty="0">
+                <a:solidFill>
+                  <a:srgbClr val="7030A0"/>
+                </a:solidFill>
                 <a:effectLst/>
                 <a:latin typeface="+mj-lt"/>
               </a:rPr>
               <a:t>Communicate Openly with Supervisors</a:t>
             </a:r>
-            <a:endParaRPr lang="ko-KR" altLang="en-US" sz="2700" dirty="0">
+            <a:endParaRPr lang="ko-KR" altLang="en-US" dirty="0">
+              <a:solidFill>
+                <a:srgbClr val="7030A0"/>
+              </a:solidFill>
               <a:latin typeface="+mj-lt"/>
             </a:endParaRPr>
           </a:p>
@@ -20481,15 +20162,13 @@
         </p:nvSpPr>
         <p:spPr>
           <a:xfrm>
-            <a:off x="1018567" y="3095931"/>
-            <a:ext cx="12280744" cy="767967"/>
+            <a:off x="4325368" y="4492026"/>
+            <a:ext cx="5776382" cy="670057"/>
           </a:xfrm>
           <a:prstGeom prst="rect">
             <a:avLst/>
           </a:prstGeom>
-          <a:solidFill>
-            <a:schemeClr val="accent2"/>
-          </a:solidFill>
+          <a:noFill/>
           <a:ln>
             <a:noFill/>
           </a:ln>
@@ -20514,15 +20193,20 @@
           <a:bodyPr rtlCol="0" anchor="ctr"/>
           <a:lstStyle/>
           <a:p>
-            <a:pPr algn="ctr"/>
             <a:r>
-              <a:rPr lang="en-US" sz="2800" b="1" i="0" dirty="0">
+              <a:rPr lang="en-US" b="1" i="0" dirty="0">
+                <a:solidFill>
+                  <a:srgbClr val="00B0F0"/>
+                </a:solidFill>
                 <a:effectLst/>
                 <a:latin typeface="+mj-lt"/>
               </a:rPr>
               <a:t>Take Initiative in Decision-Making Within Your Role</a:t>
             </a:r>
-            <a:endParaRPr lang="ko-KR" altLang="en-US" sz="2700" dirty="0">
+            <a:endParaRPr lang="ko-KR" altLang="en-US" dirty="0">
+              <a:solidFill>
+                <a:srgbClr val="00B0F0"/>
+              </a:solidFill>
               <a:latin typeface="+mj-lt"/>
             </a:endParaRPr>
           </a:p>
@@ -20542,15 +20226,13 @@
         </p:nvSpPr>
         <p:spPr>
           <a:xfrm>
-            <a:off x="766789" y="4149541"/>
-            <a:ext cx="12532522" cy="767967"/>
+            <a:off x="2233138" y="3454449"/>
+            <a:ext cx="6528091" cy="670057"/>
           </a:xfrm>
           <a:prstGeom prst="rect">
             <a:avLst/>
           </a:prstGeom>
-          <a:solidFill>
-            <a:schemeClr val="accent3"/>
-          </a:solidFill>
+          <a:noFill/>
           <a:ln>
             <a:noFill/>
           </a:ln>
@@ -20575,370 +20257,25 @@
           <a:bodyPr rtlCol="0" anchor="ctr"/>
           <a:lstStyle/>
           <a:p>
-            <a:pPr algn="ctr"/>
             <a:r>
-              <a:rPr lang="en-US" sz="2800" b="1" i="0" dirty="0">
+              <a:rPr lang="en-US" b="1" i="0" dirty="0">
+                <a:solidFill>
+                  <a:schemeClr val="accent1">
+                    <a:lumMod val="75000"/>
+                  </a:schemeClr>
+                </a:solidFill>
                 <a:effectLst/>
                 <a:latin typeface="+mj-lt"/>
               </a:rPr>
               <a:t>Continuously Seek Opportunities for Skill Enhancement</a:t>
             </a:r>
-            <a:endParaRPr lang="ko-KR" altLang="en-US" sz="2700" dirty="0">
+            <a:endParaRPr lang="ko-KR" altLang="en-US" dirty="0">
+              <a:solidFill>
+                <a:schemeClr val="accent1">
+                  <a:lumMod val="75000"/>
+                </a:schemeClr>
+              </a:solidFill>
               <a:latin typeface="+mj-lt"/>
-            </a:endParaRPr>
-          </a:p>
-        </p:txBody>
-      </p:sp>
-      <p:sp>
-        <p:nvSpPr>
-          <p:cNvPr id="11" name="Parallelogram 10">
-            <a:extLst>
-              <a:ext uri="{FF2B5EF4-FFF2-40B4-BE49-F238E27FC236}">
-                <a16:creationId xmlns:a16="http://schemas.microsoft.com/office/drawing/2014/main" id="{22EC10B9-2E00-4977-BD48-BF5833345F2A}"/>
-              </a:ext>
-            </a:extLst>
-          </p:cNvPr>
-          <p:cNvSpPr/>
-          <p:nvPr/>
-        </p:nvSpPr>
-        <p:spPr>
-          <a:xfrm rot="8690186">
-            <a:off x="401694" y="3879904"/>
-            <a:ext cx="1794009" cy="632014"/>
-          </a:xfrm>
-          <a:prstGeom prst="parallelogram">
-            <a:avLst>
-              <a:gd name="adj" fmla="val 67445"/>
-            </a:avLst>
-          </a:prstGeom>
-          <a:solidFill>
-            <a:schemeClr val="accent3"/>
-          </a:solidFill>
-          <a:ln w="38100">
-            <a:solidFill>
-              <a:schemeClr val="bg1"/>
-            </a:solidFill>
-          </a:ln>
-        </p:spPr>
-        <p:style>
-          <a:lnRef idx="2">
-            <a:schemeClr val="accent1">
-              <a:shade val="50000"/>
-            </a:schemeClr>
-          </a:lnRef>
-          <a:fillRef idx="1">
-            <a:schemeClr val="accent1"/>
-          </a:fillRef>
-          <a:effectRef idx="0">
-            <a:schemeClr val="accent1"/>
-          </a:effectRef>
-          <a:fontRef idx="minor">
-            <a:schemeClr val="lt1"/>
-          </a:fontRef>
-        </p:style>
-        <p:txBody>
-          <a:bodyPr rot="0" spcFirstLastPara="0" vertOverflow="overflow" horzOverflow="overflow" vert="horz" wrap="square" lIns="91440" tIns="45720" rIns="91440" bIns="45720" numCol="1" spcCol="0" rtlCol="0" fromWordArt="0" anchor="ctr" anchorCtr="0" forceAA="0" compatLnSpc="1">
-            <a:prstTxWarp prst="textNoShape">
-              <a:avLst/>
-            </a:prstTxWarp>
-            <a:noAutofit/>
-          </a:bodyPr>
-          <a:lstStyle/>
-          <a:p>
-            <a:pPr algn="ctr"/>
-            <a:endParaRPr lang="ko-KR" altLang="en-US" sz="2700" dirty="0"/>
-          </a:p>
-        </p:txBody>
-      </p:sp>
-      <p:sp>
-        <p:nvSpPr>
-          <p:cNvPr id="12" name="Parallelogram 11">
-            <a:extLst>
-              <a:ext uri="{FF2B5EF4-FFF2-40B4-BE49-F238E27FC236}">
-                <a16:creationId xmlns:a16="http://schemas.microsoft.com/office/drawing/2014/main" id="{B0BFF40E-F6E3-4DE3-9D6B-C7CE9BDECB1B}"/>
-              </a:ext>
-            </a:extLst>
-          </p:cNvPr>
-          <p:cNvSpPr/>
-          <p:nvPr/>
-        </p:nvSpPr>
-        <p:spPr>
-          <a:xfrm rot="8690186">
-            <a:off x="674041" y="2806026"/>
-            <a:ext cx="1794009" cy="632014"/>
-          </a:xfrm>
-          <a:prstGeom prst="parallelogram">
-            <a:avLst>
-              <a:gd name="adj" fmla="val 67445"/>
-            </a:avLst>
-          </a:prstGeom>
-          <a:solidFill>
-            <a:schemeClr val="accent2"/>
-          </a:solidFill>
-          <a:ln w="38100">
-            <a:solidFill>
-              <a:schemeClr val="bg1"/>
-            </a:solidFill>
-          </a:ln>
-        </p:spPr>
-        <p:style>
-          <a:lnRef idx="2">
-            <a:schemeClr val="accent1">
-              <a:shade val="50000"/>
-            </a:schemeClr>
-          </a:lnRef>
-          <a:fillRef idx="1">
-            <a:schemeClr val="accent1"/>
-          </a:fillRef>
-          <a:effectRef idx="0">
-            <a:schemeClr val="accent1"/>
-          </a:effectRef>
-          <a:fontRef idx="minor">
-            <a:schemeClr val="lt1"/>
-          </a:fontRef>
-        </p:style>
-        <p:txBody>
-          <a:bodyPr rot="0" spcFirstLastPara="0" vertOverflow="overflow" horzOverflow="overflow" vert="horz" wrap="square" lIns="91440" tIns="45720" rIns="91440" bIns="45720" numCol="1" spcCol="0" rtlCol="0" fromWordArt="0" anchor="ctr" anchorCtr="0" forceAA="0" compatLnSpc="1">
-            <a:prstTxWarp prst="textNoShape">
-              <a:avLst/>
-            </a:prstTxWarp>
-            <a:noAutofit/>
-          </a:bodyPr>
-          <a:lstStyle/>
-          <a:p>
-            <a:pPr algn="ctr"/>
-            <a:endParaRPr lang="ko-KR" altLang="en-US" sz="2700" dirty="0"/>
-          </a:p>
-        </p:txBody>
-      </p:sp>
-      <p:sp>
-        <p:nvSpPr>
-          <p:cNvPr id="13" name="Parallelogram 12">
-            <a:extLst>
-              <a:ext uri="{FF2B5EF4-FFF2-40B4-BE49-F238E27FC236}">
-                <a16:creationId xmlns:a16="http://schemas.microsoft.com/office/drawing/2014/main" id="{C6ED77C1-4182-46B3-ACC8-4A673E592015}"/>
-              </a:ext>
-            </a:extLst>
-          </p:cNvPr>
-          <p:cNvSpPr/>
-          <p:nvPr/>
-        </p:nvSpPr>
-        <p:spPr>
-          <a:xfrm rot="8690186">
-            <a:off x="946388" y="1732148"/>
-            <a:ext cx="1794009" cy="632014"/>
-          </a:xfrm>
-          <a:prstGeom prst="parallelogram">
-            <a:avLst>
-              <a:gd name="adj" fmla="val 67445"/>
-            </a:avLst>
-          </a:prstGeom>
-          <a:solidFill>
-            <a:schemeClr val="accent1"/>
-          </a:solidFill>
-          <a:ln w="38100">
-            <a:solidFill>
-              <a:schemeClr val="bg1"/>
-            </a:solidFill>
-          </a:ln>
-        </p:spPr>
-        <p:style>
-          <a:lnRef idx="2">
-            <a:schemeClr val="accent1">
-              <a:shade val="50000"/>
-            </a:schemeClr>
-          </a:lnRef>
-          <a:fillRef idx="1">
-            <a:schemeClr val="accent1"/>
-          </a:fillRef>
-          <a:effectRef idx="0">
-            <a:schemeClr val="accent1"/>
-          </a:effectRef>
-          <a:fontRef idx="minor">
-            <a:schemeClr val="lt1"/>
-          </a:fontRef>
-        </p:style>
-        <p:txBody>
-          <a:bodyPr rot="0" spcFirstLastPara="0" vertOverflow="overflow" horzOverflow="overflow" vert="horz" wrap="square" lIns="91440" tIns="45720" rIns="91440" bIns="45720" numCol="1" spcCol="0" rtlCol="0" fromWordArt="0" anchor="ctr" anchorCtr="0" forceAA="0" compatLnSpc="1">
-            <a:prstTxWarp prst="textNoShape">
-              <a:avLst/>
-            </a:prstTxWarp>
-            <a:noAutofit/>
-          </a:bodyPr>
-          <a:lstStyle/>
-          <a:p>
-            <a:pPr algn="ctr"/>
-            <a:endParaRPr lang="ko-KR" altLang="en-US" sz="2700"/>
-          </a:p>
-        </p:txBody>
-      </p:sp>
-      <p:sp>
-        <p:nvSpPr>
-          <p:cNvPr id="30" name="TextBox 29">
-            <a:extLst>
-              <a:ext uri="{FF2B5EF4-FFF2-40B4-BE49-F238E27FC236}">
-                <a16:creationId xmlns:a16="http://schemas.microsoft.com/office/drawing/2014/main" id="{B1472809-0250-46E2-99CA-2B127EDA68B1}"/>
-              </a:ext>
-            </a:extLst>
-          </p:cNvPr>
-          <p:cNvSpPr txBox="1"/>
-          <p:nvPr/>
-        </p:nvSpPr>
-        <p:spPr>
-          <a:xfrm rot="19588409">
-            <a:off x="1290622" y="1717059"/>
-            <a:ext cx="960339" cy="584775"/>
-          </a:xfrm>
-          <a:prstGeom prst="rect">
-            <a:avLst/>
-          </a:prstGeom>
-          <a:noFill/>
-        </p:spPr>
-        <p:txBody>
-          <a:bodyPr wrap="square" rtlCol="0">
-            <a:spAutoFit/>
-          </a:bodyPr>
-          <a:lstStyle/>
-          <a:p>
-            <a:pPr algn="ctr"/>
-            <a:r>
-              <a:rPr lang="en-US" altLang="ko-KR" sz="3200" b="1" dirty="0">
-                <a:ln w="12700">
-                  <a:solidFill>
-                    <a:schemeClr val="bg1"/>
-                  </a:solidFill>
-                </a:ln>
-                <a:solidFill>
-                  <a:schemeClr val="bg1"/>
-                </a:solidFill>
-                <a:cs typeface="Arial" pitchFamily="34" charset="0"/>
-              </a:rPr>
-              <a:t>01</a:t>
-            </a:r>
-            <a:endParaRPr lang="ko-KR" altLang="en-US" sz="3200" b="1" dirty="0">
-              <a:ln w="12700">
-                <a:solidFill>
-                  <a:schemeClr val="bg1"/>
-                </a:solidFill>
-              </a:ln>
-              <a:solidFill>
-                <a:schemeClr val="bg1"/>
-              </a:solidFill>
-              <a:cs typeface="Arial" pitchFamily="34" charset="0"/>
-            </a:endParaRPr>
-          </a:p>
-        </p:txBody>
-      </p:sp>
-      <p:sp>
-        <p:nvSpPr>
-          <p:cNvPr id="31" name="TextBox 30">
-            <a:extLst>
-              <a:ext uri="{FF2B5EF4-FFF2-40B4-BE49-F238E27FC236}">
-                <a16:creationId xmlns:a16="http://schemas.microsoft.com/office/drawing/2014/main" id="{8273488D-C095-473A-911B-F379363A0082}"/>
-              </a:ext>
-            </a:extLst>
-          </p:cNvPr>
-          <p:cNvSpPr txBox="1"/>
-          <p:nvPr/>
-        </p:nvSpPr>
-        <p:spPr>
-          <a:xfrm rot="19588409">
-            <a:off x="1014423" y="2809853"/>
-            <a:ext cx="960339" cy="584775"/>
-          </a:xfrm>
-          <a:prstGeom prst="rect">
-            <a:avLst/>
-          </a:prstGeom>
-          <a:noFill/>
-        </p:spPr>
-        <p:txBody>
-          <a:bodyPr wrap="square" rtlCol="0">
-            <a:spAutoFit/>
-          </a:bodyPr>
-          <a:lstStyle/>
-          <a:p>
-            <a:pPr algn="ctr"/>
-            <a:r>
-              <a:rPr lang="en-US" altLang="ko-KR" sz="3200" b="1" dirty="0">
-                <a:ln w="12700">
-                  <a:solidFill>
-                    <a:schemeClr val="bg1"/>
-                  </a:solidFill>
-                </a:ln>
-                <a:solidFill>
-                  <a:schemeClr val="bg1"/>
-                </a:solidFill>
-                <a:cs typeface="Arial" pitchFamily="34" charset="0"/>
-              </a:rPr>
-              <a:t>02</a:t>
-            </a:r>
-            <a:endParaRPr lang="ko-KR" altLang="en-US" sz="3200" b="1" dirty="0">
-              <a:ln w="12700">
-                <a:solidFill>
-                  <a:schemeClr val="bg1"/>
-                </a:solidFill>
-              </a:ln>
-              <a:solidFill>
-                <a:schemeClr val="bg1"/>
-              </a:solidFill>
-              <a:cs typeface="Arial" pitchFamily="34" charset="0"/>
-            </a:endParaRPr>
-          </a:p>
-        </p:txBody>
-      </p:sp>
-      <p:sp>
-        <p:nvSpPr>
-          <p:cNvPr id="32" name="TextBox 31">
-            <a:extLst>
-              <a:ext uri="{FF2B5EF4-FFF2-40B4-BE49-F238E27FC236}">
-                <a16:creationId xmlns:a16="http://schemas.microsoft.com/office/drawing/2014/main" id="{23B7BDE5-2286-445E-BEEB-5499FB7954B6}"/>
-              </a:ext>
-            </a:extLst>
-          </p:cNvPr>
-          <p:cNvSpPr txBox="1"/>
-          <p:nvPr/>
-        </p:nvSpPr>
-        <p:spPr>
-          <a:xfrm rot="19588409">
-            <a:off x="738224" y="3902647"/>
-            <a:ext cx="960339" cy="584775"/>
-          </a:xfrm>
-          <a:prstGeom prst="rect">
-            <a:avLst/>
-          </a:prstGeom>
-          <a:noFill/>
-        </p:spPr>
-        <p:txBody>
-          <a:bodyPr wrap="square" rtlCol="0">
-            <a:spAutoFit/>
-          </a:bodyPr>
-          <a:lstStyle/>
-          <a:p>
-            <a:pPr algn="ctr"/>
-            <a:r>
-              <a:rPr lang="en-US" altLang="ko-KR" sz="3200" b="1" dirty="0">
-                <a:ln w="12700">
-                  <a:solidFill>
-                    <a:schemeClr val="bg1"/>
-                  </a:solidFill>
-                </a:ln>
-                <a:solidFill>
-                  <a:schemeClr val="bg1"/>
-                </a:solidFill>
-                <a:cs typeface="Arial" pitchFamily="34" charset="0"/>
-              </a:rPr>
-              <a:t>03</a:t>
-            </a:r>
-            <a:endParaRPr lang="ko-KR" altLang="en-US" sz="3200" b="1" dirty="0">
-              <a:ln w="12700">
-                <a:solidFill>
-                  <a:schemeClr val="bg1"/>
-                </a:solidFill>
-              </a:ln>
-              <a:solidFill>
-                <a:schemeClr val="bg1"/>
-              </a:solidFill>
-              <a:cs typeface="Arial" pitchFamily="34" charset="0"/>
             </a:endParaRPr>
           </a:p>
         </p:txBody>
@@ -20957,17 +20294,13 @@
         </p:nvSpPr>
         <p:spPr>
           <a:xfrm>
-            <a:off x="383394" y="5276758"/>
-            <a:ext cx="12915917" cy="767967"/>
+            <a:off x="2233138" y="1766923"/>
+            <a:ext cx="4829982" cy="609143"/>
           </a:xfrm>
           <a:prstGeom prst="rect">
             <a:avLst/>
           </a:prstGeom>
-          <a:solidFill>
-            <a:schemeClr val="accent5">
-              <a:lumMod val="75000"/>
-            </a:schemeClr>
-          </a:solidFill>
+          <a:noFill/>
           <a:ln>
             <a:noFill/>
           </a:ln>
@@ -20992,140 +20325,185 @@
           <a:bodyPr rtlCol="0" anchor="ctr"/>
           <a:lstStyle/>
           <a:p>
-            <a:pPr algn="ctr"/>
             <a:r>
-              <a:rPr lang="en-US" sz="2800" b="1" i="0" dirty="0">
+              <a:rPr lang="en-US" b="1" i="0" dirty="0">
+                <a:solidFill>
+                  <a:schemeClr val="accent4">
+                    <a:lumMod val="50000"/>
+                  </a:schemeClr>
+                </a:solidFill>
                 <a:effectLst/>
                 <a:latin typeface="+mj-lt"/>
               </a:rPr>
               <a:t>Foster Collaboration</a:t>
             </a:r>
-            <a:endParaRPr lang="ko-KR" altLang="en-US" sz="2700" dirty="0">
+            <a:endParaRPr lang="ko-KR" altLang="en-US" dirty="0">
+              <a:solidFill>
+                <a:schemeClr val="accent4">
+                  <a:lumMod val="50000"/>
+                </a:schemeClr>
+              </a:solidFill>
               <a:latin typeface="+mj-lt"/>
             </a:endParaRPr>
           </a:p>
         </p:txBody>
       </p:sp>
-      <p:sp>
-        <p:nvSpPr>
-          <p:cNvPr id="9" name="Parallelogram 8">
+      <p:pic>
+        <p:nvPicPr>
+          <p:cNvPr id="5" name="Graphic 4" descr="Bullseye">
             <a:extLst>
               <a:ext uri="{FF2B5EF4-FFF2-40B4-BE49-F238E27FC236}">
-                <a16:creationId xmlns:a16="http://schemas.microsoft.com/office/drawing/2014/main" id="{2546FBC1-C0AB-8D26-7BA2-85CBEC3EB6FB}"/>
+                <a16:creationId xmlns:a16="http://schemas.microsoft.com/office/drawing/2014/main" id="{A585B4AE-72A0-3AF9-C595-80C82C8889EF}"/>
               </a:ext>
             </a:extLst>
           </p:cNvPr>
-          <p:cNvSpPr/>
+          <p:cNvPicPr>
+            <a:picLocks noChangeAspect="1"/>
+          </p:cNvPicPr>
           <p:nvPr/>
-        </p:nvSpPr>
-        <p:spPr>
-          <a:xfrm rot="8690186">
-            <a:off x="18299" y="5007121"/>
-            <a:ext cx="1794009" cy="632014"/>
-          </a:xfrm>
-          <a:prstGeom prst="parallelogram">
-            <a:avLst>
-              <a:gd name="adj" fmla="val 67445"/>
-            </a:avLst>
-          </a:prstGeom>
-          <a:solidFill>
-            <a:schemeClr val="accent5">
-              <a:lumMod val="75000"/>
-            </a:schemeClr>
-          </a:solidFill>
-          <a:ln w="38100">
-            <a:solidFill>
-              <a:schemeClr val="bg1"/>
-            </a:solidFill>
-          </a:ln>
-        </p:spPr>
-        <p:style>
-          <a:lnRef idx="2">
-            <a:schemeClr val="accent1">
-              <a:shade val="50000"/>
-            </a:schemeClr>
-          </a:lnRef>
-          <a:fillRef idx="1">
-            <a:schemeClr val="accent1"/>
-          </a:fillRef>
-          <a:effectRef idx="0">
-            <a:schemeClr val="accent1"/>
-          </a:effectRef>
-          <a:fontRef idx="minor">
-            <a:schemeClr val="lt1"/>
-          </a:fontRef>
-        </p:style>
-        <p:txBody>
-          <a:bodyPr rot="0" spcFirstLastPara="0" vertOverflow="overflow" horzOverflow="overflow" vert="horz" wrap="square" lIns="91440" tIns="45720" rIns="91440" bIns="45720" numCol="1" spcCol="0" rtlCol="0" fromWordArt="0" anchor="ctr" anchorCtr="0" forceAA="0" compatLnSpc="1">
-            <a:prstTxWarp prst="textNoShape">
-              <a:avLst/>
-            </a:prstTxWarp>
-            <a:noAutofit/>
-          </a:bodyPr>
-          <a:lstStyle/>
-          <a:p>
-            <a:pPr algn="ctr"/>
-            <a:endParaRPr lang="ko-KR" altLang="en-US" sz="2700" dirty="0"/>
-          </a:p>
-        </p:txBody>
-      </p:sp>
-      <p:sp>
-        <p:nvSpPr>
-          <p:cNvPr id="10" name="TextBox 9">
+        </p:nvPicPr>
+        <p:blipFill>
+          <a:blip r:embed="rId2">
             <a:extLst>
-              <a:ext uri="{FF2B5EF4-FFF2-40B4-BE49-F238E27FC236}">
-                <a16:creationId xmlns:a16="http://schemas.microsoft.com/office/drawing/2014/main" id="{CC8FC277-6333-860F-BD5F-82BE617C0B2B}"/>
+              <a:ext uri="{28A0092B-C50C-407E-A947-70E740481C1C}">
+                <a14:useLocalDpi xmlns:a14="http://schemas.microsoft.com/office/drawing/2010/main" val="0"/>
+              </a:ext>
+              <a:ext uri="{96DAC541-7B7A-43D3-8B79-37D633B846F1}">
+                <asvg:svgBlip xmlns:asvg="http://schemas.microsoft.com/office/drawing/2016/SVG/main" r:embed="rId3"/>
               </a:ext>
             </a:extLst>
-          </p:cNvPr>
-          <p:cNvSpPr txBox="1"/>
-          <p:nvPr/>
-        </p:nvSpPr>
+          </a:blip>
+          <a:stretch>
+            <a:fillRect/>
+          </a:stretch>
+        </p:blipFill>
         <p:spPr>
-          <a:xfrm rot="19588409">
-            <a:off x="354829" y="5029864"/>
-            <a:ext cx="960339" cy="584775"/>
+          <a:xfrm>
+            <a:off x="10056030" y="4324135"/>
+            <a:ext cx="1005840" cy="1005840"/>
           </a:xfrm>
           <a:prstGeom prst="rect">
             <a:avLst/>
           </a:prstGeom>
-          <a:noFill/>
         </p:spPr>
-        <p:txBody>
-          <a:bodyPr wrap="square" rtlCol="0">
-            <a:spAutoFit/>
-          </a:bodyPr>
-          <a:lstStyle/>
-          <a:p>
-            <a:pPr algn="ctr"/>
-            <a:r>
-              <a:rPr lang="en-US" altLang="ko-KR" sz="3200" b="1" dirty="0">
-                <a:ln w="12700">
-                  <a:solidFill>
-                    <a:schemeClr val="bg1"/>
-                  </a:solidFill>
-                </a:ln>
-                <a:solidFill>
-                  <a:schemeClr val="bg1"/>
-                </a:solidFill>
-                <a:cs typeface="Arial" pitchFamily="34" charset="0"/>
-              </a:rPr>
-              <a:t>04</a:t>
-            </a:r>
-            <a:endParaRPr lang="ko-KR" altLang="en-US" sz="3200" b="1" dirty="0">
-              <a:ln w="12700">
-                <a:solidFill>
-                  <a:schemeClr val="bg1"/>
-                </a:solidFill>
-              </a:ln>
-              <a:solidFill>
-                <a:schemeClr val="bg1"/>
-              </a:solidFill>
-              <a:cs typeface="Arial" pitchFamily="34" charset="0"/>
-            </a:endParaRPr>
-          </a:p>
-        </p:txBody>
-      </p:sp>
+      </p:pic>
+      <p:pic>
+        <p:nvPicPr>
+          <p:cNvPr id="15" name="Graphic 14" descr="Connections">
+            <a:extLst>
+              <a:ext uri="{FF2B5EF4-FFF2-40B4-BE49-F238E27FC236}">
+                <a16:creationId xmlns:a16="http://schemas.microsoft.com/office/drawing/2014/main" id="{4896BDE6-ACD5-795E-4F79-C86AB52AF868}"/>
+              </a:ext>
+            </a:extLst>
+          </p:cNvPr>
+          <p:cNvPicPr>
+            <a:picLocks noChangeAspect="1"/>
+          </p:cNvPicPr>
+          <p:nvPr/>
+        </p:nvPicPr>
+        <p:blipFill>
+          <a:blip r:embed="rId4">
+            <a:extLst>
+              <a:ext uri="{28A0092B-C50C-407E-A947-70E740481C1C}">
+                <a14:useLocalDpi xmlns:a14="http://schemas.microsoft.com/office/drawing/2010/main" val="0"/>
+              </a:ext>
+              <a:ext uri="{96DAC541-7B7A-43D3-8B79-37D633B846F1}">
+                <asvg:svgBlip xmlns:asvg="http://schemas.microsoft.com/office/drawing/2016/SVG/main" r:embed="rId5"/>
+              </a:ext>
+            </a:extLst>
+          </a:blip>
+          <a:stretch>
+            <a:fillRect/>
+          </a:stretch>
+        </p:blipFill>
+        <p:spPr>
+          <a:xfrm>
+            <a:off x="1130130" y="3333582"/>
+            <a:ext cx="1005840" cy="1005840"/>
+          </a:xfrm>
+          <a:prstGeom prst="rect">
+            <a:avLst/>
+          </a:prstGeom>
+        </p:spPr>
+      </p:pic>
+      <p:pic>
+        <p:nvPicPr>
+          <p:cNvPr id="17" name="Graphic 16" descr="Chat RTL">
+            <a:extLst>
+              <a:ext uri="{FF2B5EF4-FFF2-40B4-BE49-F238E27FC236}">
+                <a16:creationId xmlns:a16="http://schemas.microsoft.com/office/drawing/2014/main" id="{82DE7E67-9555-2EB8-AA4F-CF3A8BD5E79C}"/>
+              </a:ext>
+            </a:extLst>
+          </p:cNvPr>
+          <p:cNvPicPr>
+            <a:picLocks noChangeAspect="1"/>
+          </p:cNvPicPr>
+          <p:nvPr/>
+        </p:nvPicPr>
+        <p:blipFill>
+          <a:blip r:embed="rId6">
+            <a:extLst>
+              <a:ext uri="{28A0092B-C50C-407E-A947-70E740481C1C}">
+                <a14:useLocalDpi xmlns:a14="http://schemas.microsoft.com/office/drawing/2010/main" val="0"/>
+              </a:ext>
+              <a:ext uri="{96DAC541-7B7A-43D3-8B79-37D633B846F1}">
+                <asvg:svgBlip xmlns:asvg="http://schemas.microsoft.com/office/drawing/2016/SVG/main" r:embed="rId7"/>
+              </a:ext>
+            </a:extLst>
+          </a:blip>
+          <a:stretch>
+            <a:fillRect/>
+          </a:stretch>
+        </p:blipFill>
+        <p:spPr>
+          <a:xfrm>
+            <a:off x="10028837" y="2327742"/>
+            <a:ext cx="1005840" cy="1005840"/>
+          </a:xfrm>
+          <a:prstGeom prst="rect">
+            <a:avLst/>
+          </a:prstGeom>
+        </p:spPr>
+      </p:pic>
+      <p:pic>
+        <p:nvPicPr>
+          <p:cNvPr id="19" name="Graphic 18" descr="Handshake">
+            <a:extLst>
+              <a:ext uri="{FF2B5EF4-FFF2-40B4-BE49-F238E27FC236}">
+                <a16:creationId xmlns:a16="http://schemas.microsoft.com/office/drawing/2014/main" id="{D631FC4B-6DCF-0DB0-C3E8-50CEDCDCD922}"/>
+              </a:ext>
+            </a:extLst>
+          </p:cNvPr>
+          <p:cNvPicPr>
+            <a:picLocks noChangeAspect="1"/>
+          </p:cNvPicPr>
+          <p:nvPr/>
+        </p:nvPicPr>
+        <p:blipFill>
+          <a:blip r:embed="rId8">
+            <a:extLst>
+              <a:ext uri="{28A0092B-C50C-407E-A947-70E740481C1C}">
+                <a14:useLocalDpi xmlns:a14="http://schemas.microsoft.com/office/drawing/2010/main" val="0"/>
+              </a:ext>
+              <a:ext uri="{96DAC541-7B7A-43D3-8B79-37D633B846F1}">
+                <asvg:svgBlip xmlns:asvg="http://schemas.microsoft.com/office/drawing/2016/SVG/main" r:embed="rId9"/>
+              </a:ext>
+            </a:extLst>
+          </a:blip>
+          <a:stretch>
+            <a:fillRect/>
+          </a:stretch>
+        </p:blipFill>
+        <p:spPr>
+          <a:xfrm>
+            <a:off x="1175850" y="1614294"/>
+            <a:ext cx="914400" cy="914400"/>
+          </a:xfrm>
+          <a:prstGeom prst="rect">
+            <a:avLst/>
+          </a:prstGeom>
+        </p:spPr>
+      </p:pic>
     </p:spTree>
     <p:extLst>
       <p:ext uri="{BB962C8B-B14F-4D97-AF65-F5344CB8AC3E}">
@@ -22068,4 +21446,299 @@
     </a:ext>
   </a:extLst>
 </a:theme>
+</file>
+
+<file path=ppt/theme/theme5.xml><?xml version="1.0" encoding="utf-8"?>
+<a:theme xmlns:a="http://schemas.openxmlformats.org/drawingml/2006/main" name="Office Theme">
+  <a:themeElements>
+    <a:clrScheme name="Office">
+      <a:dk1>
+        <a:sysClr val="windowText" lastClr="000000"/>
+      </a:dk1>
+      <a:lt1>
+        <a:sysClr val="window" lastClr="FFFFFF"/>
+      </a:lt1>
+      <a:dk2>
+        <a:srgbClr val="44546A"/>
+      </a:dk2>
+      <a:lt2>
+        <a:srgbClr val="E7E6E6"/>
+      </a:lt2>
+      <a:accent1>
+        <a:srgbClr val="4472C4"/>
+      </a:accent1>
+      <a:accent2>
+        <a:srgbClr val="ED7D31"/>
+      </a:accent2>
+      <a:accent3>
+        <a:srgbClr val="A5A5A5"/>
+      </a:accent3>
+      <a:accent4>
+        <a:srgbClr val="FFC000"/>
+      </a:accent4>
+      <a:accent5>
+        <a:srgbClr val="5B9BD5"/>
+      </a:accent5>
+      <a:accent6>
+        <a:srgbClr val="70AD47"/>
+      </a:accent6>
+      <a:hlink>
+        <a:srgbClr val="0563C1"/>
+      </a:hlink>
+      <a:folHlink>
+        <a:srgbClr val="954F72"/>
+      </a:folHlink>
+    </a:clrScheme>
+    <a:fontScheme name="Office">
+      <a:majorFont>
+        <a:latin typeface="Calibri Light" panose="020F0302020204030204"/>
+        <a:ea typeface=""/>
+        <a:cs typeface=""/>
+        <a:font script="Jpan" typeface="游ゴシック Light"/>
+        <a:font script="Hang" typeface="맑은 고딕"/>
+        <a:font script="Hans" typeface="等线 Light"/>
+        <a:font script="Hant" typeface="新細明體"/>
+        <a:font script="Arab" typeface="Times New Roman"/>
+        <a:font script="Hebr" typeface="Times New Roman"/>
+        <a:font script="Thai" typeface="Angsana New"/>
+        <a:font script="Ethi" typeface="Nyala"/>
+        <a:font script="Beng" typeface="Vrinda"/>
+        <a:font script="Gujr" typeface="Shruti"/>
+        <a:font script="Khmr" typeface="MoolBoran"/>
+        <a:font script="Knda" typeface="Tunga"/>
+        <a:font script="Guru" typeface="Raavi"/>
+        <a:font script="Cans" typeface="Euphemia"/>
+        <a:font script="Cher" typeface="Plantagenet Cherokee"/>
+        <a:font script="Yiii" typeface="Microsoft Yi Baiti"/>
+        <a:font script="Tibt" typeface="Microsoft Himalaya"/>
+        <a:font script="Thaa" typeface="MV Boli"/>
+        <a:font script="Deva" typeface="Mangal"/>
+        <a:font script="Telu" typeface="Gautami"/>
+        <a:font script="Taml" typeface="Latha"/>
+        <a:font script="Syrc" typeface="Estrangelo Edessa"/>
+        <a:font script="Orya" typeface="Kalinga"/>
+        <a:font script="Mlym" typeface="Kartika"/>
+        <a:font script="Laoo" typeface="DokChampa"/>
+        <a:font script="Sinh" typeface="Iskoola Pota"/>
+        <a:font script="Mong" typeface="Mongolian Baiti"/>
+        <a:font script="Viet" typeface="Times New Roman"/>
+        <a:font script="Uigh" typeface="Microsoft Uighur"/>
+        <a:font script="Geor" typeface="Sylfaen"/>
+        <a:font script="Armn" typeface="Arial"/>
+        <a:font script="Bugi" typeface="Leelawadee UI"/>
+        <a:font script="Bopo" typeface="Microsoft JhengHei"/>
+        <a:font script="Java" typeface="Javanese Text"/>
+        <a:font script="Lisu" typeface="Segoe UI"/>
+        <a:font script="Mymr" typeface="Myanmar Text"/>
+        <a:font script="Nkoo" typeface="Ebrima"/>
+        <a:font script="Olck" typeface="Nirmala UI"/>
+        <a:font script="Osma" typeface="Ebrima"/>
+        <a:font script="Phag" typeface="Phagspa"/>
+        <a:font script="Syrn" typeface="Estrangelo Edessa"/>
+        <a:font script="Syrj" typeface="Estrangelo Edessa"/>
+        <a:font script="Syre" typeface="Estrangelo Edessa"/>
+        <a:font script="Sora" typeface="Nirmala UI"/>
+        <a:font script="Tale" typeface="Microsoft Tai Le"/>
+        <a:font script="Talu" typeface="Microsoft New Tai Lue"/>
+        <a:font script="Tfng" typeface="Ebrima"/>
+      </a:majorFont>
+      <a:minorFont>
+        <a:latin typeface="Calibri" panose="020F0502020204030204"/>
+        <a:ea typeface=""/>
+        <a:cs typeface=""/>
+        <a:font script="Jpan" typeface="游ゴシック"/>
+        <a:font script="Hang" typeface="맑은 고딕"/>
+        <a:font script="Hans" typeface="等线"/>
+        <a:font script="Hant" typeface="新細明體"/>
+        <a:font script="Arab" typeface="Arial"/>
+        <a:font script="Hebr" typeface="Arial"/>
+        <a:font script="Thai" typeface="Cordia New"/>
+        <a:font script="Ethi" typeface="Nyala"/>
+        <a:font script="Beng" typeface="Vrinda"/>
+        <a:font script="Gujr" typeface="Shruti"/>
+        <a:font script="Khmr" typeface="DaunPenh"/>
+        <a:font script="Knda" typeface="Tunga"/>
+        <a:font script="Guru" typeface="Raavi"/>
+        <a:font script="Cans" typeface="Euphemia"/>
+        <a:font script="Cher" typeface="Plantagenet Cherokee"/>
+        <a:font script="Yiii" typeface="Microsoft Yi Baiti"/>
+        <a:font script="Tibt" typeface="Microsoft Himalaya"/>
+        <a:font script="Thaa" typeface="MV Boli"/>
+        <a:font script="Deva" typeface="Mangal"/>
+        <a:font script="Telu" typeface="Gautami"/>
+        <a:font script="Taml" typeface="Latha"/>
+        <a:font script="Syrc" typeface="Estrangelo Edessa"/>
+        <a:font script="Orya" typeface="Kalinga"/>
+        <a:font script="Mlym" typeface="Kartika"/>
+        <a:font script="Laoo" typeface="DokChampa"/>
+        <a:font script="Sinh" typeface="Iskoola Pota"/>
+        <a:font script="Mong" typeface="Mongolian Baiti"/>
+        <a:font script="Viet" typeface="Arial"/>
+        <a:font script="Uigh" typeface="Microsoft Uighur"/>
+        <a:font script="Geor" typeface="Sylfaen"/>
+        <a:font script="Armn" typeface="Arial"/>
+        <a:font script="Bugi" typeface="Leelawadee UI"/>
+        <a:font script="Bopo" typeface="Microsoft JhengHei"/>
+        <a:font script="Java" typeface="Javanese Text"/>
+        <a:font script="Lisu" typeface="Segoe UI"/>
+        <a:font script="Mymr" typeface="Myanmar Text"/>
+        <a:font script="Nkoo" typeface="Ebrima"/>
+        <a:font script="Olck" typeface="Nirmala UI"/>
+        <a:font script="Osma" typeface="Ebrima"/>
+        <a:font script="Phag" typeface="Phagspa"/>
+        <a:font script="Syrn" typeface="Estrangelo Edessa"/>
+        <a:font script="Syrj" typeface="Estrangelo Edessa"/>
+        <a:font script="Syre" typeface="Estrangelo Edessa"/>
+        <a:font script="Sora" typeface="Nirmala UI"/>
+        <a:font script="Tale" typeface="Microsoft Tai Le"/>
+        <a:font script="Talu" typeface="Microsoft New Tai Lue"/>
+        <a:font script="Tfng" typeface="Ebrima"/>
+      </a:minorFont>
+    </a:fontScheme>
+    <a:fmtScheme name="Office">
+      <a:fillStyleLst>
+        <a:solidFill>
+          <a:schemeClr val="phClr"/>
+        </a:solidFill>
+        <a:gradFill rotWithShape="1">
+          <a:gsLst>
+            <a:gs pos="0">
+              <a:schemeClr val="phClr">
+                <a:lumMod val="110000"/>
+                <a:satMod val="105000"/>
+                <a:tint val="67000"/>
+              </a:schemeClr>
+            </a:gs>
+            <a:gs pos="50000">
+              <a:schemeClr val="phClr">
+                <a:lumMod val="105000"/>
+                <a:satMod val="103000"/>
+                <a:tint val="73000"/>
+              </a:schemeClr>
+            </a:gs>
+            <a:gs pos="100000">
+              <a:schemeClr val="phClr">
+                <a:lumMod val="105000"/>
+                <a:satMod val="109000"/>
+                <a:tint val="81000"/>
+              </a:schemeClr>
+            </a:gs>
+          </a:gsLst>
+          <a:lin ang="5400000" scaled="0"/>
+        </a:gradFill>
+        <a:gradFill rotWithShape="1">
+          <a:gsLst>
+            <a:gs pos="0">
+              <a:schemeClr val="phClr">
+                <a:satMod val="103000"/>
+                <a:lumMod val="102000"/>
+                <a:tint val="94000"/>
+              </a:schemeClr>
+            </a:gs>
+            <a:gs pos="50000">
+              <a:schemeClr val="phClr">
+                <a:satMod val="110000"/>
+                <a:lumMod val="100000"/>
+                <a:shade val="100000"/>
+              </a:schemeClr>
+            </a:gs>
+            <a:gs pos="100000">
+              <a:schemeClr val="phClr">
+                <a:lumMod val="99000"/>
+                <a:satMod val="120000"/>
+                <a:shade val="78000"/>
+              </a:schemeClr>
+            </a:gs>
+          </a:gsLst>
+          <a:lin ang="5400000" scaled="0"/>
+        </a:gradFill>
+      </a:fillStyleLst>
+      <a:lnStyleLst>
+        <a:ln w="6350" cap="flat" cmpd="sng" algn="ctr">
+          <a:solidFill>
+            <a:schemeClr val="phClr"/>
+          </a:solidFill>
+          <a:prstDash val="solid"/>
+          <a:miter lim="800000"/>
+        </a:ln>
+        <a:ln w="12700" cap="flat" cmpd="sng" algn="ctr">
+          <a:solidFill>
+            <a:schemeClr val="phClr"/>
+          </a:solidFill>
+          <a:prstDash val="solid"/>
+          <a:miter lim="800000"/>
+        </a:ln>
+        <a:ln w="19050" cap="flat" cmpd="sng" algn="ctr">
+          <a:solidFill>
+            <a:schemeClr val="phClr"/>
+          </a:solidFill>
+          <a:prstDash val="solid"/>
+          <a:miter lim="800000"/>
+        </a:ln>
+      </a:lnStyleLst>
+      <a:effectStyleLst>
+        <a:effectStyle>
+          <a:effectLst/>
+        </a:effectStyle>
+        <a:effectStyle>
+          <a:effectLst/>
+        </a:effectStyle>
+        <a:effectStyle>
+          <a:effectLst>
+            <a:outerShdw blurRad="57150" dist="19050" dir="5400000" algn="ctr" rotWithShape="0">
+              <a:srgbClr val="000000">
+                <a:alpha val="63000"/>
+              </a:srgbClr>
+            </a:outerShdw>
+          </a:effectLst>
+        </a:effectStyle>
+      </a:effectStyleLst>
+      <a:bgFillStyleLst>
+        <a:solidFill>
+          <a:schemeClr val="phClr"/>
+        </a:solidFill>
+        <a:solidFill>
+          <a:schemeClr val="phClr">
+            <a:tint val="95000"/>
+            <a:satMod val="170000"/>
+          </a:schemeClr>
+        </a:solidFill>
+        <a:gradFill rotWithShape="1">
+          <a:gsLst>
+            <a:gs pos="0">
+              <a:schemeClr val="phClr">
+                <a:tint val="93000"/>
+                <a:satMod val="150000"/>
+                <a:shade val="98000"/>
+                <a:lumMod val="102000"/>
+              </a:schemeClr>
+            </a:gs>
+            <a:gs pos="50000">
+              <a:schemeClr val="phClr">
+                <a:tint val="98000"/>
+                <a:satMod val="130000"/>
+                <a:shade val="90000"/>
+                <a:lumMod val="103000"/>
+              </a:schemeClr>
+            </a:gs>
+            <a:gs pos="100000">
+              <a:schemeClr val="phClr">
+                <a:shade val="63000"/>
+                <a:satMod val="120000"/>
+              </a:schemeClr>
+            </a:gs>
+          </a:gsLst>
+          <a:lin ang="5400000" scaled="0"/>
+        </a:gradFill>
+      </a:bgFillStyleLst>
+    </a:fmtScheme>
+  </a:themeElements>
+  <a:objectDefaults/>
+  <a:extraClrSchemeLst/>
+  <a:extLst>
+    <a:ext uri="{05A4C25C-085E-4340-85A3-A5531E510DB2}">
+      <thm15:themeFamily xmlns:thm15="http://schemas.microsoft.com/office/thememl/2012/main" name="Office Theme" id="{62F939B6-93AF-4DB8-9C6B-D6C7DFDC589F}" vid="{4A3C46E8-61CC-4603-A589-7422A47A8E4A}"/>
+    </a:ext>
+  </a:extLst>
+</a:theme>
 </file>